--- a/BraincellsP2_Presentation.pptx
+++ b/BraincellsP2_Presentation.pptx
@@ -14,9 +14,9 @@
     <p:sldId id="259" r:id="rId5"/>
     <p:sldId id="260" r:id="rId6"/>
     <p:sldId id="267" r:id="rId7"/>
-    <p:sldId id="261" r:id="rId8"/>
-    <p:sldId id="263" r:id="rId9"/>
-    <p:sldId id="262" r:id="rId10"/>
+    <p:sldId id="262" r:id="rId8"/>
+    <p:sldId id="261" r:id="rId9"/>
+    <p:sldId id="263" r:id="rId10"/>
     <p:sldId id="264" r:id="rId11"/>
     <p:sldId id="265" r:id="rId12"/>
     <p:sldId id="266" r:id="rId13"/>
@@ -28461,7 +28461,7 @@
         </p:blipFill>
         <p:spPr>
           <a:xfrm>
-            <a:off x="414357" y="4812794"/>
+            <a:off x="442993" y="5034043"/>
             <a:ext cx="2556063" cy="1329669"/>
           </a:xfrm>
           <a:prstGeom prst="rect">
@@ -28491,7 +28491,7 @@
         </p:blipFill>
         <p:spPr>
           <a:xfrm>
-            <a:off x="3467369" y="4428444"/>
+            <a:off x="3481687" y="4739957"/>
             <a:ext cx="1819275" cy="1819275"/>
           </a:xfrm>
           <a:prstGeom prst="rect">
@@ -28553,6 +28553,66 @@
           <a:xfrm>
             <a:off x="2094592" y="3515866"/>
             <a:ext cx="1288483" cy="1499527"/>
+          </a:xfrm>
+          <a:prstGeom prst="rect">
+            <a:avLst/>
+          </a:prstGeom>
+        </p:spPr>
+      </p:pic>
+      <p:pic>
+        <p:nvPicPr>
+          <p:cNvPr id="17" name="Picture 16" descr="Icon&#10;&#10;Description automatically generated">
+            <a:extLst>
+              <a:ext uri="{FF2B5EF4-FFF2-40B4-BE49-F238E27FC236}">
+                <a16:creationId xmlns:a16="http://schemas.microsoft.com/office/drawing/2014/main" id="{E6A178C0-FBB2-4651-A08A-BD3A6B8F2E55}"/>
+              </a:ext>
+            </a:extLst>
+          </p:cNvPr>
+          <p:cNvPicPr>
+            <a:picLocks noChangeAspect="1"/>
+          </p:cNvPicPr>
+          <p:nvPr/>
+        </p:nvPicPr>
+        <p:blipFill>
+          <a:blip r:embed="rId11"/>
+          <a:stretch>
+            <a:fillRect/>
+          </a:stretch>
+        </p:blipFill>
+        <p:spPr>
+          <a:xfrm>
+            <a:off x="280441" y="3515866"/>
+            <a:ext cx="1218618" cy="1170356"/>
+          </a:xfrm>
+          <a:prstGeom prst="rect">
+            <a:avLst/>
+          </a:prstGeom>
+        </p:spPr>
+      </p:pic>
+      <p:pic>
+        <p:nvPicPr>
+          <p:cNvPr id="21" name="Picture 20" descr="Icon&#10;&#10;Description automatically generated">
+            <a:extLst>
+              <a:ext uri="{FF2B5EF4-FFF2-40B4-BE49-F238E27FC236}">
+                <a16:creationId xmlns:a16="http://schemas.microsoft.com/office/drawing/2014/main" id="{175A35BE-3971-4B6A-82E1-96A3813DDEFA}"/>
+              </a:ext>
+            </a:extLst>
+          </p:cNvPr>
+          <p:cNvPicPr>
+            <a:picLocks noChangeAspect="1"/>
+          </p:cNvPicPr>
+          <p:nvPr/>
+        </p:nvPicPr>
+        <p:blipFill>
+          <a:blip r:embed="rId12"/>
+          <a:stretch>
+            <a:fillRect/>
+          </a:stretch>
+        </p:blipFill>
+        <p:spPr>
+          <a:xfrm>
+            <a:off x="3661816" y="3454455"/>
+            <a:ext cx="1369798" cy="1522989"/>
           </a:xfrm>
           <a:prstGeom prst="rect">
             <a:avLst/>
@@ -29163,10 +29223,10 @@
       </p:sp>
       <p:pic>
         <p:nvPicPr>
-          <p:cNvPr id="6" name="Picture 5">
+          <p:cNvPr id="12" name="Picture 11">
             <a:extLst>
               <a:ext uri="{FF2B5EF4-FFF2-40B4-BE49-F238E27FC236}">
-                <a16:creationId xmlns:a16="http://schemas.microsoft.com/office/drawing/2014/main" id="{5EAAE298-6024-493C-BC18-72C8D4909125}"/>
+                <a16:creationId xmlns:a16="http://schemas.microsoft.com/office/drawing/2014/main" id="{1690AAAF-EA23-443E-A913-0675680C05E8}"/>
               </a:ext>
             </a:extLst>
           </p:cNvPr>
@@ -29183,8 +29243,8 @@
         </p:blipFill>
         <p:spPr>
           <a:xfrm>
-            <a:off x="159572" y="1305274"/>
-            <a:ext cx="8604418" cy="5325591"/>
+            <a:off x="159572" y="1396895"/>
+            <a:ext cx="8824855" cy="5331942"/>
           </a:xfrm>
           <a:prstGeom prst="rect">
             <a:avLst/>
@@ -29205,334 +29265,6 @@
 </file>
 
 <file path=ppt/slides/slide7.xml><?xml version="1.0" encoding="utf-8"?>
-<p:sld xmlns:a="http://schemas.openxmlformats.org/drawingml/2006/main" xmlns:r="http://schemas.openxmlformats.org/officeDocument/2006/relationships" xmlns:p="http://schemas.openxmlformats.org/presentationml/2006/main">
-  <p:cSld>
-    <p:spTree>
-      <p:nvGrpSpPr>
-        <p:cNvPr id="1" name=""/>
-        <p:cNvGrpSpPr/>
-        <p:nvPr/>
-      </p:nvGrpSpPr>
-      <p:grpSpPr>
-        <a:xfrm>
-          <a:off x="0" y="0"/>
-          <a:ext cx="0" cy="0"/>
-          <a:chOff x="0" y="0"/>
-          <a:chExt cx="0" cy="0"/>
-        </a:xfrm>
-      </p:grpSpPr>
-      <p:sp>
-        <p:nvSpPr>
-          <p:cNvPr id="2" name="Title 1">
-            <a:extLst>
-              <a:ext uri="{FF2B5EF4-FFF2-40B4-BE49-F238E27FC236}">
-                <a16:creationId xmlns:a16="http://schemas.microsoft.com/office/drawing/2014/main" id="{D7F144E3-79EB-4783-BBDD-6FE0A35BFF19}"/>
-              </a:ext>
-            </a:extLst>
-          </p:cNvPr>
-          <p:cNvSpPr>
-            <a:spLocks noGrp="1"/>
-          </p:cNvSpPr>
-          <p:nvPr>
-            <p:ph type="title"/>
-          </p:nvPr>
-        </p:nvSpPr>
-        <p:spPr/>
-        <p:txBody>
-          <a:bodyPr/>
-          <a:lstStyle/>
-          <a:p>
-            <a:r>
-              <a:rPr lang="en-US" dirty="0"/>
-              <a:t>Team Workflow Implementation</a:t>
-            </a:r>
-          </a:p>
-        </p:txBody>
-      </p:sp>
-      <p:sp>
-        <p:nvSpPr>
-          <p:cNvPr id="3" name="Text Placeholder 2">
-            <a:extLst>
-              <a:ext uri="{FF2B5EF4-FFF2-40B4-BE49-F238E27FC236}">
-                <a16:creationId xmlns:a16="http://schemas.microsoft.com/office/drawing/2014/main" id="{1F997A05-C2BB-4157-A288-93C5D7C2E20A}"/>
-              </a:ext>
-            </a:extLst>
-          </p:cNvPr>
-          <p:cNvSpPr>
-            <a:spLocks noGrp="1"/>
-          </p:cNvSpPr>
-          <p:nvPr>
-            <p:ph type="body" idx="1"/>
-          </p:nvPr>
-        </p:nvSpPr>
-        <p:spPr>
-          <a:xfrm>
-            <a:off x="380010" y="1481446"/>
-            <a:ext cx="4812476" cy="5137068"/>
-          </a:xfrm>
-        </p:spPr>
-        <p:txBody>
-          <a:bodyPr/>
-          <a:lstStyle/>
-          <a:p>
-            <a:r>
-              <a:rPr lang="en-US" dirty="0"/>
-              <a:t>Agile/Scrum</a:t>
-            </a:r>
-          </a:p>
-          <a:p>
-            <a:pPr lvl="1"/>
-            <a:r>
-              <a:rPr lang="en-US" dirty="0"/>
-              <a:t>Simultaneous front end and back-end development</a:t>
-            </a:r>
-          </a:p>
-          <a:p>
-            <a:pPr lvl="1"/>
-            <a:r>
-              <a:rPr lang="en-US" dirty="0"/>
-              <a:t>Daily scrums and offline communication</a:t>
-            </a:r>
-          </a:p>
-          <a:p>
-            <a:pPr lvl="1"/>
-            <a:r>
-              <a:rPr lang="en-US" dirty="0"/>
-              <a:t>Technology conflict resolutions</a:t>
-            </a:r>
-          </a:p>
-          <a:p>
-            <a:r>
-              <a:rPr lang="en-US" dirty="0"/>
-              <a:t>Waterfall</a:t>
-            </a:r>
-          </a:p>
-          <a:p>
-            <a:pPr lvl="1"/>
-            <a:r>
-              <a:rPr lang="en-US" dirty="0"/>
-              <a:t>Per question development </a:t>
-            </a:r>
-          </a:p>
-          <a:p>
-            <a:pPr lvl="1"/>
-            <a:r>
-              <a:rPr lang="en-US" dirty="0"/>
-              <a:t>On demand function development </a:t>
-            </a:r>
-            <a:br>
-              <a:rPr lang="en-US" dirty="0"/>
-            </a:br>
-            <a:r>
-              <a:rPr lang="en-US" dirty="0"/>
-              <a:t>	</a:t>
-            </a:r>
-          </a:p>
-        </p:txBody>
-      </p:sp>
-      <p:sp>
-        <p:nvSpPr>
-          <p:cNvPr id="4" name="Slide Number Placeholder 3">
-            <a:extLst>
-              <a:ext uri="{FF2B5EF4-FFF2-40B4-BE49-F238E27FC236}">
-                <a16:creationId xmlns:a16="http://schemas.microsoft.com/office/drawing/2014/main" id="{384B6EB7-854F-4C1D-9C79-A118EA255D84}"/>
-              </a:ext>
-            </a:extLst>
-          </p:cNvPr>
-          <p:cNvSpPr>
-            <a:spLocks noGrp="1"/>
-          </p:cNvSpPr>
-          <p:nvPr>
-            <p:ph type="sldNum" idx="12"/>
-          </p:nvPr>
-        </p:nvSpPr>
-        <p:spPr/>
-        <p:txBody>
-          <a:bodyPr/>
-          <a:lstStyle/>
-          <a:p>
-            <a:pPr marL="0" lvl="0" indent="0" algn="r" rtl="0">
-              <a:spcBef>
-                <a:spcPts val="0"/>
-              </a:spcBef>
-              <a:spcAft>
-                <a:spcPts val="0"/>
-              </a:spcAft>
-              <a:buNone/>
-            </a:pPr>
-            <a:fld id="{00000000-1234-1234-1234-123412341234}" type="slidenum">
-              <a:rPr lang="en-US" smtClean="0"/>
-              <a:t>6</a:t>
-            </a:fld>
-            <a:endParaRPr lang="en-US"/>
-          </a:p>
-        </p:txBody>
-      </p:sp>
-      <p:pic>
-        <p:nvPicPr>
-          <p:cNvPr id="6" name="Picture 5">
-            <a:extLst>
-              <a:ext uri="{FF2B5EF4-FFF2-40B4-BE49-F238E27FC236}">
-                <a16:creationId xmlns:a16="http://schemas.microsoft.com/office/drawing/2014/main" id="{A872E089-9024-4C33-A630-092D76B13A3F}"/>
-              </a:ext>
-            </a:extLst>
-          </p:cNvPr>
-          <p:cNvPicPr>
-            <a:picLocks noChangeAspect="1"/>
-          </p:cNvPicPr>
-          <p:nvPr/>
-        </p:nvPicPr>
-        <p:blipFill>
-          <a:blip r:embed="rId2"/>
-          <a:stretch>
-            <a:fillRect/>
-          </a:stretch>
-        </p:blipFill>
-        <p:spPr>
-          <a:xfrm>
-            <a:off x="5035571" y="2951016"/>
-            <a:ext cx="3948857" cy="3157733"/>
-          </a:xfrm>
-          <a:prstGeom prst="rect">
-            <a:avLst/>
-          </a:prstGeom>
-        </p:spPr>
-      </p:pic>
-    </p:spTree>
-    <p:extLst>
-      <p:ext uri="{BB962C8B-B14F-4D97-AF65-F5344CB8AC3E}">
-        <p14:creationId xmlns:p14="http://schemas.microsoft.com/office/powerpoint/2010/main" val="3861195373"/>
-      </p:ext>
-    </p:extLst>
-  </p:cSld>
-  <p:clrMapOvr>
-    <a:masterClrMapping/>
-  </p:clrMapOvr>
-</p:sld>
-</file>
-
-<file path=ppt/slides/slide8.xml><?xml version="1.0" encoding="utf-8"?>
-<p:sld xmlns:a="http://schemas.openxmlformats.org/drawingml/2006/main" xmlns:r="http://schemas.openxmlformats.org/officeDocument/2006/relationships" xmlns:p="http://schemas.openxmlformats.org/presentationml/2006/main">
-  <p:cSld>
-    <p:spTree>
-      <p:nvGrpSpPr>
-        <p:cNvPr id="1" name=""/>
-        <p:cNvGrpSpPr/>
-        <p:nvPr/>
-      </p:nvGrpSpPr>
-      <p:grpSpPr>
-        <a:xfrm>
-          <a:off x="0" y="0"/>
-          <a:ext cx="0" cy="0"/>
-          <a:chOff x="0" y="0"/>
-          <a:chExt cx="0" cy="0"/>
-        </a:xfrm>
-      </p:grpSpPr>
-      <p:sp>
-        <p:nvSpPr>
-          <p:cNvPr id="2" name="Title 1">
-            <a:extLst>
-              <a:ext uri="{FF2B5EF4-FFF2-40B4-BE49-F238E27FC236}">
-                <a16:creationId xmlns:a16="http://schemas.microsoft.com/office/drawing/2014/main" id="{97E7A4A5-BE95-4C47-83CC-0528F2B91754}"/>
-              </a:ext>
-            </a:extLst>
-          </p:cNvPr>
-          <p:cNvSpPr>
-            <a:spLocks noGrp="1"/>
-          </p:cNvSpPr>
-          <p:nvPr>
-            <p:ph type="title"/>
-          </p:nvPr>
-        </p:nvSpPr>
-        <p:spPr/>
-        <p:txBody>
-          <a:bodyPr/>
-          <a:lstStyle/>
-          <a:p>
-            <a:r>
-              <a:rPr lang="en-US" dirty="0"/>
-              <a:t>ERD Diagram</a:t>
-            </a:r>
-          </a:p>
-        </p:txBody>
-      </p:sp>
-      <p:sp>
-        <p:nvSpPr>
-          <p:cNvPr id="3" name="Text Placeholder 2">
-            <a:extLst>
-              <a:ext uri="{FF2B5EF4-FFF2-40B4-BE49-F238E27FC236}">
-                <a16:creationId xmlns:a16="http://schemas.microsoft.com/office/drawing/2014/main" id="{23B01C16-8D85-49C4-BFFF-666540CD1B7E}"/>
-              </a:ext>
-            </a:extLst>
-          </p:cNvPr>
-          <p:cNvSpPr>
-            <a:spLocks noGrp="1"/>
-          </p:cNvSpPr>
-          <p:nvPr>
-            <p:ph type="body" idx="1"/>
-          </p:nvPr>
-        </p:nvSpPr>
-        <p:spPr/>
-        <p:txBody>
-          <a:bodyPr/>
-          <a:lstStyle/>
-          <a:p>
-            <a:endParaRPr lang="en-US"/>
-          </a:p>
-        </p:txBody>
-      </p:sp>
-      <p:sp>
-        <p:nvSpPr>
-          <p:cNvPr id="4" name="Slide Number Placeholder 3">
-            <a:extLst>
-              <a:ext uri="{FF2B5EF4-FFF2-40B4-BE49-F238E27FC236}">
-                <a16:creationId xmlns:a16="http://schemas.microsoft.com/office/drawing/2014/main" id="{164BDB41-31F4-44C0-9CD3-07C031017424}"/>
-              </a:ext>
-            </a:extLst>
-          </p:cNvPr>
-          <p:cNvSpPr>
-            <a:spLocks noGrp="1"/>
-          </p:cNvSpPr>
-          <p:nvPr>
-            <p:ph type="sldNum" idx="12"/>
-          </p:nvPr>
-        </p:nvSpPr>
-        <p:spPr/>
-        <p:txBody>
-          <a:bodyPr/>
-          <a:lstStyle/>
-          <a:p>
-            <a:pPr marL="0" lvl="0" indent="0" algn="r" rtl="0">
-              <a:spcBef>
-                <a:spcPts val="0"/>
-              </a:spcBef>
-              <a:spcAft>
-                <a:spcPts val="0"/>
-              </a:spcAft>
-              <a:buNone/>
-            </a:pPr>
-            <a:fld id="{00000000-1234-1234-1234-123412341234}" type="slidenum">
-              <a:rPr lang="en-US" smtClean="0"/>
-              <a:t>7</a:t>
-            </a:fld>
-            <a:endParaRPr lang="en-US"/>
-          </a:p>
-        </p:txBody>
-      </p:sp>
-    </p:spTree>
-    <p:extLst>
-      <p:ext uri="{BB962C8B-B14F-4D97-AF65-F5344CB8AC3E}">
-        <p14:creationId xmlns:p14="http://schemas.microsoft.com/office/powerpoint/2010/main" val="2231092472"/>
-      </p:ext>
-    </p:extLst>
-  </p:cSld>
-  <p:clrMapOvr>
-    <a:masterClrMapping/>
-  </p:clrMapOvr>
-</p:sld>
-</file>
-
-<file path=ppt/slides/slide9.xml><?xml version="1.0" encoding="utf-8"?>
 <p:sld xmlns:a="http://schemas.openxmlformats.org/drawingml/2006/main" xmlns:r="http://schemas.openxmlformats.org/officeDocument/2006/relationships" xmlns:p="http://schemas.openxmlformats.org/presentationml/2006/main">
   <p:cSld>
     <p:spTree>
@@ -29634,7 +29366,7 @@
             </a:pPr>
             <a:fld id="{00000000-1234-1234-1234-123412341234}" type="slidenum">
               <a:rPr lang="en-US" smtClean="0"/>
-              <a:t>8</a:t>
+              <a:t>6</a:t>
             </a:fld>
             <a:endParaRPr lang="en-US"/>
           </a:p>
@@ -29644,6 +29376,513 @@
     <p:extLst>
       <p:ext uri="{BB962C8B-B14F-4D97-AF65-F5344CB8AC3E}">
         <p14:creationId xmlns:p14="http://schemas.microsoft.com/office/powerpoint/2010/main" val="708206309"/>
+      </p:ext>
+    </p:extLst>
+  </p:cSld>
+  <p:clrMapOvr>
+    <a:masterClrMapping/>
+  </p:clrMapOvr>
+</p:sld>
+</file>
+
+<file path=ppt/slides/slide8.xml><?xml version="1.0" encoding="utf-8"?>
+<p:sld xmlns:a="http://schemas.openxmlformats.org/drawingml/2006/main" xmlns:r="http://schemas.openxmlformats.org/officeDocument/2006/relationships" xmlns:p="http://schemas.openxmlformats.org/presentationml/2006/main">
+  <p:cSld>
+    <p:spTree>
+      <p:nvGrpSpPr>
+        <p:cNvPr id="1" name=""/>
+        <p:cNvGrpSpPr/>
+        <p:nvPr/>
+      </p:nvGrpSpPr>
+      <p:grpSpPr>
+        <a:xfrm>
+          <a:off x="0" y="0"/>
+          <a:ext cx="0" cy="0"/>
+          <a:chOff x="0" y="0"/>
+          <a:chExt cx="0" cy="0"/>
+        </a:xfrm>
+      </p:grpSpPr>
+      <p:sp>
+        <p:nvSpPr>
+          <p:cNvPr id="2" name="Title 1">
+            <a:extLst>
+              <a:ext uri="{FF2B5EF4-FFF2-40B4-BE49-F238E27FC236}">
+                <a16:creationId xmlns:a16="http://schemas.microsoft.com/office/drawing/2014/main" id="{D7F144E3-79EB-4783-BBDD-6FE0A35BFF19}"/>
+              </a:ext>
+            </a:extLst>
+          </p:cNvPr>
+          <p:cNvSpPr>
+            <a:spLocks noGrp="1"/>
+          </p:cNvSpPr>
+          <p:nvPr>
+            <p:ph type="title"/>
+          </p:nvPr>
+        </p:nvSpPr>
+        <p:spPr/>
+        <p:txBody>
+          <a:bodyPr/>
+          <a:lstStyle/>
+          <a:p>
+            <a:r>
+              <a:rPr lang="en-US" dirty="0"/>
+              <a:t>Team Workflow Implementation</a:t>
+            </a:r>
+          </a:p>
+        </p:txBody>
+      </p:sp>
+      <p:sp>
+        <p:nvSpPr>
+          <p:cNvPr id="3" name="Text Placeholder 2">
+            <a:extLst>
+              <a:ext uri="{FF2B5EF4-FFF2-40B4-BE49-F238E27FC236}">
+                <a16:creationId xmlns:a16="http://schemas.microsoft.com/office/drawing/2014/main" id="{1F997A05-C2BB-4157-A288-93C5D7C2E20A}"/>
+              </a:ext>
+            </a:extLst>
+          </p:cNvPr>
+          <p:cNvSpPr>
+            <a:spLocks noGrp="1"/>
+          </p:cNvSpPr>
+          <p:nvPr>
+            <p:ph type="body" idx="1"/>
+          </p:nvPr>
+        </p:nvSpPr>
+        <p:spPr>
+          <a:xfrm>
+            <a:off x="380010" y="1481446"/>
+            <a:ext cx="4319809" cy="5137068"/>
+          </a:xfrm>
+        </p:spPr>
+        <p:txBody>
+          <a:bodyPr/>
+          <a:lstStyle/>
+          <a:p>
+            <a:r>
+              <a:rPr lang="en-US" sz="2000" dirty="0"/>
+              <a:t>Agile/Scrum</a:t>
+            </a:r>
+          </a:p>
+          <a:p>
+            <a:pPr lvl="1"/>
+            <a:r>
+              <a:rPr lang="en-US" sz="2000" dirty="0"/>
+              <a:t>Simultaneous front end and back-end development</a:t>
+            </a:r>
+          </a:p>
+          <a:p>
+            <a:pPr lvl="1"/>
+            <a:r>
+              <a:rPr lang="en-US" sz="2000" dirty="0"/>
+              <a:t>Daily scrums and offline communication</a:t>
+            </a:r>
+          </a:p>
+          <a:p>
+            <a:pPr lvl="1"/>
+            <a:r>
+              <a:rPr lang="en-US" sz="2000" dirty="0"/>
+              <a:t>Technology conflict resolutions</a:t>
+            </a:r>
+          </a:p>
+          <a:p>
+            <a:r>
+              <a:rPr lang="en-US" sz="2000" dirty="0"/>
+              <a:t>Waterfall</a:t>
+            </a:r>
+          </a:p>
+          <a:p>
+            <a:pPr lvl="1"/>
+            <a:r>
+              <a:rPr lang="en-US" sz="2000" dirty="0"/>
+              <a:t>Per question development </a:t>
+            </a:r>
+          </a:p>
+          <a:p>
+            <a:pPr lvl="1"/>
+            <a:r>
+              <a:rPr lang="en-US" sz="2000" dirty="0"/>
+              <a:t>On demand function development </a:t>
+            </a:r>
+            <a:br>
+              <a:rPr lang="en-US" dirty="0"/>
+            </a:br>
+            <a:r>
+              <a:rPr lang="en-US" dirty="0"/>
+              <a:t>	</a:t>
+            </a:r>
+          </a:p>
+        </p:txBody>
+      </p:sp>
+      <p:sp>
+        <p:nvSpPr>
+          <p:cNvPr id="4" name="Slide Number Placeholder 3">
+            <a:extLst>
+              <a:ext uri="{FF2B5EF4-FFF2-40B4-BE49-F238E27FC236}">
+                <a16:creationId xmlns:a16="http://schemas.microsoft.com/office/drawing/2014/main" id="{384B6EB7-854F-4C1D-9C79-A118EA255D84}"/>
+              </a:ext>
+            </a:extLst>
+          </p:cNvPr>
+          <p:cNvSpPr>
+            <a:spLocks noGrp="1"/>
+          </p:cNvSpPr>
+          <p:nvPr>
+            <p:ph type="sldNum" idx="12"/>
+          </p:nvPr>
+        </p:nvSpPr>
+        <p:spPr/>
+        <p:txBody>
+          <a:bodyPr/>
+          <a:lstStyle/>
+          <a:p>
+            <a:pPr marL="0" lvl="0" indent="0" algn="r" rtl="0">
+              <a:spcBef>
+                <a:spcPts val="0"/>
+              </a:spcBef>
+              <a:spcAft>
+                <a:spcPts val="0"/>
+              </a:spcAft>
+              <a:buNone/>
+            </a:pPr>
+            <a:fld id="{00000000-1234-1234-1234-123412341234}" type="slidenum">
+              <a:rPr lang="en-US" smtClean="0"/>
+              <a:t>7</a:t>
+            </a:fld>
+            <a:endParaRPr lang="en-US"/>
+          </a:p>
+        </p:txBody>
+      </p:sp>
+      <p:pic>
+        <p:nvPicPr>
+          <p:cNvPr id="6" name="Picture 5">
+            <a:extLst>
+              <a:ext uri="{FF2B5EF4-FFF2-40B4-BE49-F238E27FC236}">
+                <a16:creationId xmlns:a16="http://schemas.microsoft.com/office/drawing/2014/main" id="{A872E089-9024-4C33-A630-092D76B13A3F}"/>
+              </a:ext>
+            </a:extLst>
+          </p:cNvPr>
+          <p:cNvPicPr>
+            <a:picLocks noChangeAspect="1"/>
+          </p:cNvPicPr>
+          <p:nvPr/>
+        </p:nvPicPr>
+        <p:blipFill>
+          <a:blip r:embed="rId2"/>
+          <a:stretch>
+            <a:fillRect/>
+          </a:stretch>
+        </p:blipFill>
+        <p:spPr>
+          <a:xfrm>
+            <a:off x="4350764" y="2545878"/>
+            <a:ext cx="4503833" cy="3601524"/>
+          </a:xfrm>
+          <a:prstGeom prst="rect">
+            <a:avLst/>
+          </a:prstGeom>
+        </p:spPr>
+      </p:pic>
+    </p:spTree>
+    <p:extLst>
+      <p:ext uri="{BB962C8B-B14F-4D97-AF65-F5344CB8AC3E}">
+        <p14:creationId xmlns:p14="http://schemas.microsoft.com/office/powerpoint/2010/main" val="3861195373"/>
+      </p:ext>
+    </p:extLst>
+  </p:cSld>
+  <p:clrMapOvr>
+    <a:masterClrMapping/>
+  </p:clrMapOvr>
+</p:sld>
+</file>
+
+<file path=ppt/slides/slide9.xml><?xml version="1.0" encoding="utf-8"?>
+<p:sld xmlns:a="http://schemas.openxmlformats.org/drawingml/2006/main" xmlns:r="http://schemas.openxmlformats.org/officeDocument/2006/relationships" xmlns:p="http://schemas.openxmlformats.org/presentationml/2006/main">
+  <p:cSld>
+    <p:spTree>
+      <p:nvGrpSpPr>
+        <p:cNvPr id="1" name=""/>
+        <p:cNvGrpSpPr/>
+        <p:nvPr/>
+      </p:nvGrpSpPr>
+      <p:grpSpPr>
+        <a:xfrm>
+          <a:off x="0" y="0"/>
+          <a:ext cx="0" cy="0"/>
+          <a:chOff x="0" y="0"/>
+          <a:chExt cx="0" cy="0"/>
+        </a:xfrm>
+      </p:grpSpPr>
+      <p:sp>
+        <p:nvSpPr>
+          <p:cNvPr id="2" name="Title 1">
+            <a:extLst>
+              <a:ext uri="{FF2B5EF4-FFF2-40B4-BE49-F238E27FC236}">
+                <a16:creationId xmlns:a16="http://schemas.microsoft.com/office/drawing/2014/main" id="{97E7A4A5-BE95-4C47-83CC-0528F2B91754}"/>
+              </a:ext>
+            </a:extLst>
+          </p:cNvPr>
+          <p:cNvSpPr>
+            <a:spLocks noGrp="1"/>
+          </p:cNvSpPr>
+          <p:nvPr>
+            <p:ph type="title"/>
+          </p:nvPr>
+        </p:nvSpPr>
+        <p:spPr/>
+        <p:txBody>
+          <a:bodyPr/>
+          <a:lstStyle/>
+          <a:p>
+            <a:r>
+              <a:rPr lang="en-US" dirty="0"/>
+              <a:t>ERD Diagram</a:t>
+            </a:r>
+          </a:p>
+        </p:txBody>
+      </p:sp>
+      <p:sp>
+        <p:nvSpPr>
+          <p:cNvPr id="4" name="Slide Number Placeholder 3">
+            <a:extLst>
+              <a:ext uri="{FF2B5EF4-FFF2-40B4-BE49-F238E27FC236}">
+                <a16:creationId xmlns:a16="http://schemas.microsoft.com/office/drawing/2014/main" id="{164BDB41-31F4-44C0-9CD3-07C031017424}"/>
+              </a:ext>
+            </a:extLst>
+          </p:cNvPr>
+          <p:cNvSpPr>
+            <a:spLocks noGrp="1"/>
+          </p:cNvSpPr>
+          <p:nvPr>
+            <p:ph type="sldNum" idx="12"/>
+          </p:nvPr>
+        </p:nvSpPr>
+        <p:spPr/>
+        <p:txBody>
+          <a:bodyPr/>
+          <a:lstStyle/>
+          <a:p>
+            <a:pPr marL="0" lvl="0" indent="0" algn="r" rtl="0">
+              <a:spcBef>
+                <a:spcPts val="0"/>
+              </a:spcBef>
+              <a:spcAft>
+                <a:spcPts val="0"/>
+              </a:spcAft>
+              <a:buNone/>
+            </a:pPr>
+            <a:fld id="{00000000-1234-1234-1234-123412341234}" type="slidenum">
+              <a:rPr lang="en-US" smtClean="0"/>
+              <a:t>8</a:t>
+            </a:fld>
+            <a:endParaRPr lang="en-US"/>
+          </a:p>
+        </p:txBody>
+      </p:sp>
+      <p:pic>
+        <p:nvPicPr>
+          <p:cNvPr id="6" name="Picture 5" descr="Diagram&#10;&#10;Description automatically generated">
+            <a:extLst>
+              <a:ext uri="{FF2B5EF4-FFF2-40B4-BE49-F238E27FC236}">
+                <a16:creationId xmlns:a16="http://schemas.microsoft.com/office/drawing/2014/main" id="{B0221121-73CC-4736-81C8-F9C5B6A8A2CA}"/>
+              </a:ext>
+            </a:extLst>
+          </p:cNvPr>
+          <p:cNvPicPr>
+            <a:picLocks noChangeAspect="1"/>
+          </p:cNvPicPr>
+          <p:nvPr/>
+        </p:nvPicPr>
+        <p:blipFill>
+          <a:blip r:embed="rId2"/>
+          <a:stretch>
+            <a:fillRect/>
+          </a:stretch>
+        </p:blipFill>
+        <p:spPr>
+          <a:xfrm>
+            <a:off x="3706935" y="4097247"/>
+            <a:ext cx="5535037" cy="2570115"/>
+          </a:xfrm>
+          <a:prstGeom prst="rect">
+            <a:avLst/>
+          </a:prstGeom>
+        </p:spPr>
+      </p:pic>
+      <p:pic>
+        <p:nvPicPr>
+          <p:cNvPr id="8" name="Picture 7" descr="Diagram&#10;&#10;Description automatically generated">
+            <a:extLst>
+              <a:ext uri="{FF2B5EF4-FFF2-40B4-BE49-F238E27FC236}">
+                <a16:creationId xmlns:a16="http://schemas.microsoft.com/office/drawing/2014/main" id="{7AAEC7CB-0810-4B1C-B149-357A017398C0}"/>
+              </a:ext>
+            </a:extLst>
+          </p:cNvPr>
+          <p:cNvPicPr>
+            <a:picLocks noChangeAspect="1"/>
+          </p:cNvPicPr>
+          <p:nvPr/>
+        </p:nvPicPr>
+        <p:blipFill>
+          <a:blip r:embed="rId3"/>
+          <a:stretch>
+            <a:fillRect/>
+          </a:stretch>
+        </p:blipFill>
+        <p:spPr>
+          <a:xfrm>
+            <a:off x="380010" y="1333278"/>
+            <a:ext cx="4280120" cy="2870348"/>
+          </a:xfrm>
+          <a:prstGeom prst="rect">
+            <a:avLst/>
+          </a:prstGeom>
+        </p:spPr>
+      </p:pic>
+      <p:sp>
+        <p:nvSpPr>
+          <p:cNvPr id="9" name="TextBox 8">
+            <a:extLst>
+              <a:ext uri="{FF2B5EF4-FFF2-40B4-BE49-F238E27FC236}">
+                <a16:creationId xmlns:a16="http://schemas.microsoft.com/office/drawing/2014/main" id="{AE02C2A1-EC81-49F3-B4AB-B41B6B77824B}"/>
+              </a:ext>
+            </a:extLst>
+          </p:cNvPr>
+          <p:cNvSpPr txBox="1"/>
+          <p:nvPr/>
+        </p:nvSpPr>
+        <p:spPr>
+          <a:xfrm>
+            <a:off x="1643743" y="3895849"/>
+            <a:ext cx="2503714" cy="307777"/>
+          </a:xfrm>
+          <a:prstGeom prst="rect">
+            <a:avLst/>
+          </a:prstGeom>
+          <a:noFill/>
+        </p:spPr>
+        <p:txBody>
+          <a:bodyPr wrap="square" rtlCol="0">
+            <a:spAutoFit/>
+          </a:bodyPr>
+          <a:lstStyle/>
+          <a:p>
+            <a:r>
+              <a:rPr lang="en-US" dirty="0">
+                <a:latin typeface="Bahnschrift Light" panose="020B0502040204020203" pitchFamily="34" charset="0"/>
+              </a:rPr>
+              <a:t>Table 8.1</a:t>
+            </a:r>
+          </a:p>
+        </p:txBody>
+      </p:sp>
+      <p:sp>
+        <p:nvSpPr>
+          <p:cNvPr id="10" name="TextBox 9">
+            <a:extLst>
+              <a:ext uri="{FF2B5EF4-FFF2-40B4-BE49-F238E27FC236}">
+                <a16:creationId xmlns:a16="http://schemas.microsoft.com/office/drawing/2014/main" id="{CB0051E9-CB2F-4BD7-AD2B-8ED1229D5020}"/>
+              </a:ext>
+            </a:extLst>
+          </p:cNvPr>
+          <p:cNvSpPr txBox="1"/>
+          <p:nvPr/>
+        </p:nvSpPr>
+        <p:spPr>
+          <a:xfrm>
+            <a:off x="5619043" y="6348902"/>
+            <a:ext cx="2503714" cy="307777"/>
+          </a:xfrm>
+          <a:prstGeom prst="rect">
+            <a:avLst/>
+          </a:prstGeom>
+          <a:noFill/>
+        </p:spPr>
+        <p:txBody>
+          <a:bodyPr wrap="square" rtlCol="0">
+            <a:spAutoFit/>
+          </a:bodyPr>
+          <a:lstStyle/>
+          <a:p>
+            <a:r>
+              <a:rPr lang="en-US" dirty="0">
+                <a:latin typeface="Bahnschrift Light" panose="020B0502040204020203" pitchFamily="34" charset="0"/>
+              </a:rPr>
+              <a:t>Table 8.2</a:t>
+            </a:r>
+          </a:p>
+        </p:txBody>
+      </p:sp>
+      <p:sp>
+        <p:nvSpPr>
+          <p:cNvPr id="11" name="TextBox 10">
+            <a:extLst>
+              <a:ext uri="{FF2B5EF4-FFF2-40B4-BE49-F238E27FC236}">
+                <a16:creationId xmlns:a16="http://schemas.microsoft.com/office/drawing/2014/main" id="{B01E3C03-44C1-4502-8E9F-A7755878DE3D}"/>
+              </a:ext>
+            </a:extLst>
+          </p:cNvPr>
+          <p:cNvSpPr txBox="1"/>
+          <p:nvPr/>
+        </p:nvSpPr>
+        <p:spPr>
+          <a:xfrm>
+            <a:off x="4572000" y="2511957"/>
+            <a:ext cx="4280119" cy="738664"/>
+          </a:xfrm>
+          <a:prstGeom prst="rect">
+            <a:avLst/>
+          </a:prstGeom>
+          <a:noFill/>
+        </p:spPr>
+        <p:txBody>
+          <a:bodyPr wrap="square" rtlCol="0">
+            <a:spAutoFit/>
+          </a:bodyPr>
+          <a:lstStyle/>
+          <a:p>
+            <a:r>
+              <a:rPr lang="en-US" dirty="0"/>
+              <a:t>Table 8.1 (left) is the ERD Diagram displaying key and foreign key relationships between main data collected per reimbursement claim processing.</a:t>
+            </a:r>
+          </a:p>
+        </p:txBody>
+      </p:sp>
+      <p:sp>
+        <p:nvSpPr>
+          <p:cNvPr id="12" name="TextBox 11">
+            <a:extLst>
+              <a:ext uri="{FF2B5EF4-FFF2-40B4-BE49-F238E27FC236}">
+                <a16:creationId xmlns:a16="http://schemas.microsoft.com/office/drawing/2014/main" id="{342FAF40-45D9-402A-8E54-DD499C116E09}"/>
+              </a:ext>
+            </a:extLst>
+          </p:cNvPr>
+          <p:cNvSpPr txBox="1"/>
+          <p:nvPr/>
+        </p:nvSpPr>
+        <p:spPr>
+          <a:xfrm>
+            <a:off x="252449" y="5047668"/>
+            <a:ext cx="3356514" cy="954107"/>
+          </a:xfrm>
+          <a:prstGeom prst="rect">
+            <a:avLst/>
+          </a:prstGeom>
+          <a:noFill/>
+        </p:spPr>
+        <p:txBody>
+          <a:bodyPr wrap="square" rtlCol="0">
+            <a:spAutoFit/>
+          </a:bodyPr>
+          <a:lstStyle/>
+          <a:p>
+            <a:r>
+              <a:rPr lang="en-US" dirty="0"/>
+              <a:t>Table 8.2 (right) are unique schemas inside our DBeaver constructed to answer specific questions and gather specific business intelligence data.</a:t>
+            </a:r>
+          </a:p>
+        </p:txBody>
+      </p:sp>
+    </p:spTree>
+    <p:extLst>
+      <p:ext uri="{BB962C8B-B14F-4D97-AF65-F5344CB8AC3E}">
+        <p14:creationId xmlns:p14="http://schemas.microsoft.com/office/powerpoint/2010/main" val="2231092472"/>
       </p:ext>
     </p:extLst>
   </p:cSld>

--- a/BraincellsP2_Presentation.pptx
+++ b/BraincellsP2_Presentation.pptx
@@ -252,6 +252,11 @@
       </a:defRPr>
     </a:lvl9pPr>
   </p:defaultTextStyle>
+  <p:extLst>
+    <p:ext uri="{EFAFB233-063F-42B5-8137-9DF3F51BA10A}">
+      <p15:sldGuideLst xmlns:p15="http://schemas.microsoft.com/office/powerpoint/2012/main"/>
+    </p:ext>
+  </p:extLst>
 </p:presentation>
 </file>
 
@@ -27869,7 +27874,47 @@
           <a:bodyPr/>
           <a:lstStyle/>
           <a:p>
-            <a:endParaRPr lang="en-US"/>
+            <a:r>
+              <a:rPr lang="en-US" dirty="0"/>
+              <a:t>As much as we would like to boast that our application is capable of it all…</a:t>
+            </a:r>
+          </a:p>
+          <a:p>
+            <a:pPr lvl="1">
+              <a:lnSpc>
+                <a:spcPct val="200000"/>
+              </a:lnSpc>
+            </a:pPr>
+            <a:r>
+              <a:rPr lang="en-US" dirty="0"/>
+              <a:t>Application is limited to pre-created csv file</a:t>
+            </a:r>
+          </a:p>
+          <a:p>
+            <a:pPr lvl="1">
+              <a:lnSpc>
+                <a:spcPct val="200000"/>
+              </a:lnSpc>
+            </a:pPr>
+            <a:r>
+              <a:rPr lang="en-US" dirty="0"/>
+              <a:t>Limited flexibility and rigid features.</a:t>
+            </a:r>
+          </a:p>
+          <a:p>
+            <a:pPr lvl="1">
+              <a:lnSpc>
+                <a:spcPct val="200000"/>
+              </a:lnSpc>
+            </a:pPr>
+            <a:r>
+              <a:rPr lang="en-US" dirty="0"/>
+              <a:t>Some manual transforms done outside of ETL. </a:t>
+            </a:r>
+            <a:br>
+              <a:rPr lang="en-US" dirty="0"/>
+            </a:br>
+            <a:endParaRPr lang="en-US" dirty="0"/>
           </a:p>
         </p:txBody>
       </p:sp>
@@ -27985,12 +28030,41 @@
             <p:ph type="body" idx="1"/>
           </p:nvPr>
         </p:nvSpPr>
-        <p:spPr/>
+        <p:spPr>
+          <a:xfrm>
+            <a:off x="301353" y="1678092"/>
+            <a:ext cx="4321120" cy="2362967"/>
+          </a:xfrm>
+        </p:spPr>
         <p:txBody>
-          <a:bodyPr/>
+          <a:bodyPr numCol="1"/>
           <a:lstStyle/>
           <a:p>
-            <a:endParaRPr lang="en-US"/>
+            <a:r>
+              <a:rPr lang="en-US" u="sng" dirty="0"/>
+              <a:t>Front End </a:t>
+            </a:r>
+          </a:p>
+          <a:p>
+            <a:pPr lvl="1"/>
+            <a:r>
+              <a:rPr lang="en-US" dirty="0"/>
+              <a:t>JavaScript redirects </a:t>
+            </a:r>
+          </a:p>
+          <a:p>
+            <a:pPr lvl="1"/>
+            <a:r>
+              <a:rPr lang="en-US" dirty="0"/>
+              <a:t>Button Functions</a:t>
+            </a:r>
+          </a:p>
+          <a:p>
+            <a:pPr lvl="1"/>
+            <a:r>
+              <a:rPr lang="en-US" dirty="0"/>
+              <a:t>Chart Sizing/Placement</a:t>
+            </a:r>
           </a:p>
         </p:txBody>
       </p:sp>
@@ -28029,6 +28103,691 @@
               <a:t>10</a:t>
             </a:fld>
             <a:endParaRPr lang="en-US"/>
+          </a:p>
+        </p:txBody>
+      </p:sp>
+      <p:sp>
+        <p:nvSpPr>
+          <p:cNvPr id="5" name="TextBox 4">
+            <a:extLst>
+              <a:ext uri="{FF2B5EF4-FFF2-40B4-BE49-F238E27FC236}">
+                <a16:creationId xmlns:a16="http://schemas.microsoft.com/office/drawing/2014/main" id="{E80A3FFF-302F-4FC1-8352-4B595DCC4681}"/>
+              </a:ext>
+            </a:extLst>
+          </p:cNvPr>
+          <p:cNvSpPr txBox="1"/>
+          <p:nvPr/>
+        </p:nvSpPr>
+        <p:spPr>
+          <a:xfrm>
+            <a:off x="4701131" y="1840065"/>
+            <a:ext cx="3736256" cy="2039020"/>
+          </a:xfrm>
+          <a:prstGeom prst="rect">
+            <a:avLst/>
+          </a:prstGeom>
+          <a:noFill/>
+        </p:spPr>
+        <p:txBody>
+          <a:bodyPr wrap="square" rtlCol="0">
+            <a:spAutoFit/>
+          </a:bodyPr>
+          <a:lstStyle/>
+          <a:p>
+            <a:pPr marL="457200" marR="0" lvl="0" indent="-406400" algn="l" defTabSz="914400" rtl="0" eaLnBrk="1" fontAlgn="auto" latinLnBrk="0" hangingPunct="1">
+              <a:lnSpc>
+                <a:spcPct val="100000"/>
+              </a:lnSpc>
+              <a:spcBef>
+                <a:spcPts val="560"/>
+              </a:spcBef>
+              <a:spcAft>
+                <a:spcPts val="0"/>
+              </a:spcAft>
+              <a:buClr>
+                <a:srgbClr val="F36A25"/>
+              </a:buClr>
+              <a:buSzPts val="2800"/>
+              <a:buFont typeface="Arial"/>
+              <a:buChar char="•"/>
+              <a:tabLst/>
+              <a:defRPr/>
+            </a:pPr>
+            <a:r>
+              <a:rPr kumimoji="0" lang="en-US" sz="2800" b="0" i="0" u="sng" strike="noStrike" kern="0" cap="none" spc="0" normalizeH="0" baseline="0" noProof="0" dirty="0">
+                <a:ln>
+                  <a:noFill/>
+                </a:ln>
+                <a:solidFill>
+                  <a:srgbClr val="474C55"/>
+                </a:solidFill>
+                <a:effectLst/>
+                <a:uLnTx/>
+                <a:uFillTx/>
+                <a:latin typeface="Arial"/>
+                <a:cs typeface="Arial"/>
+                <a:sym typeface="Arial"/>
+              </a:rPr>
+              <a:t> Back End </a:t>
+            </a:r>
+          </a:p>
+          <a:p>
+            <a:pPr marL="914400" marR="0" lvl="1" indent="-381000" algn="l" defTabSz="914400" rtl="0" eaLnBrk="1" fontAlgn="auto" latinLnBrk="0" hangingPunct="1">
+              <a:lnSpc>
+                <a:spcPct val="100000"/>
+              </a:lnSpc>
+              <a:spcBef>
+                <a:spcPts val="480"/>
+              </a:spcBef>
+              <a:spcAft>
+                <a:spcPts val="0"/>
+              </a:spcAft>
+              <a:buClr>
+                <a:srgbClr val="F36A25"/>
+              </a:buClr>
+              <a:buSzPts val="2400"/>
+              <a:buFont typeface="Arial"/>
+              <a:buChar char="–"/>
+              <a:tabLst/>
+              <a:defRPr/>
+            </a:pPr>
+            <a:r>
+              <a:rPr kumimoji="0" lang="en-US" sz="2400" b="0" i="0" u="none" strike="noStrike" kern="0" cap="none" spc="0" normalizeH="0" baseline="0" noProof="0" dirty="0">
+                <a:ln>
+                  <a:noFill/>
+                </a:ln>
+                <a:solidFill>
+                  <a:srgbClr val="474C55"/>
+                </a:solidFill>
+                <a:effectLst/>
+                <a:uLnTx/>
+                <a:uFillTx/>
+                <a:latin typeface="Arial"/>
+                <a:cs typeface="Arial"/>
+                <a:sym typeface="Arial"/>
+              </a:rPr>
+              <a:t>Authentication</a:t>
+            </a:r>
+          </a:p>
+          <a:p>
+            <a:pPr marL="914400" marR="0" lvl="1" indent="-381000" algn="l" defTabSz="914400" rtl="0" eaLnBrk="1" fontAlgn="auto" latinLnBrk="0" hangingPunct="1">
+              <a:lnSpc>
+                <a:spcPct val="100000"/>
+              </a:lnSpc>
+              <a:spcBef>
+                <a:spcPts val="480"/>
+              </a:spcBef>
+              <a:spcAft>
+                <a:spcPts val="0"/>
+              </a:spcAft>
+              <a:buClr>
+                <a:srgbClr val="F36A25"/>
+              </a:buClr>
+              <a:buSzPts val="2400"/>
+              <a:buFont typeface="Arial"/>
+              <a:buChar char="–"/>
+              <a:tabLst/>
+              <a:defRPr/>
+            </a:pPr>
+            <a:r>
+              <a:rPr lang="en-US" sz="2400" dirty="0">
+                <a:solidFill>
+                  <a:srgbClr val="474C55"/>
+                </a:solidFill>
+              </a:rPr>
+              <a:t>JPA Repo Queries</a:t>
+            </a:r>
+          </a:p>
+          <a:p>
+            <a:pPr marL="914400" marR="0" lvl="1" indent="-381000" algn="l" defTabSz="914400" rtl="0" eaLnBrk="1" fontAlgn="auto" latinLnBrk="0" hangingPunct="1">
+              <a:lnSpc>
+                <a:spcPct val="100000"/>
+              </a:lnSpc>
+              <a:spcBef>
+                <a:spcPts val="480"/>
+              </a:spcBef>
+              <a:spcAft>
+                <a:spcPts val="0"/>
+              </a:spcAft>
+              <a:buClr>
+                <a:srgbClr val="F36A25"/>
+              </a:buClr>
+              <a:buSzPts val="2400"/>
+              <a:buFont typeface="Arial"/>
+              <a:buChar char="–"/>
+              <a:tabLst/>
+              <a:defRPr/>
+            </a:pPr>
+            <a:r>
+              <a:rPr kumimoji="0" lang="en-US" sz="2400" b="0" i="0" u="none" strike="noStrike" kern="0" cap="none" spc="0" normalizeH="0" baseline="0" noProof="0" dirty="0">
+                <a:ln>
+                  <a:noFill/>
+                </a:ln>
+                <a:solidFill>
+                  <a:srgbClr val="474C55"/>
+                </a:solidFill>
+                <a:effectLst/>
+                <a:uLnTx/>
+                <a:uFillTx/>
+                <a:latin typeface="Arial"/>
+                <a:cs typeface="Arial"/>
+                <a:sym typeface="Arial"/>
+              </a:rPr>
+              <a:t>Table 4 </a:t>
+            </a:r>
+          </a:p>
+          <a:p>
+            <a:endParaRPr lang="en-US" dirty="0"/>
+          </a:p>
+        </p:txBody>
+      </p:sp>
+      <p:sp>
+        <p:nvSpPr>
+          <p:cNvPr id="6" name="Text Placeholder 2">
+            <a:extLst>
+              <a:ext uri="{FF2B5EF4-FFF2-40B4-BE49-F238E27FC236}">
+                <a16:creationId xmlns:a16="http://schemas.microsoft.com/office/drawing/2014/main" id="{BCAF45F7-C407-4E21-86B1-9D8B60496E8D}"/>
+              </a:ext>
+            </a:extLst>
+          </p:cNvPr>
+          <p:cNvSpPr txBox="1">
+            <a:spLocks/>
+          </p:cNvSpPr>
+          <p:nvPr/>
+        </p:nvSpPr>
+        <p:spPr>
+          <a:xfrm>
+            <a:off x="380011" y="3844413"/>
+            <a:ext cx="4034674" cy="2362967"/>
+          </a:xfrm>
+          <a:prstGeom prst="rect">
+            <a:avLst/>
+          </a:prstGeom>
+          <a:noFill/>
+          <a:ln>
+            <a:noFill/>
+          </a:ln>
+        </p:spPr>
+        <p:txBody>
+          <a:bodyPr spcFirstLastPara="1" wrap="square" lIns="91425" tIns="91425" rIns="91425" bIns="91425" numCol="1" anchor="t" anchorCtr="0">
+            <a:noAutofit/>
+          </a:bodyPr>
+          <a:lstStyle>
+            <a:defPPr marR="0" lvl="0" algn="l" rtl="0">
+              <a:lnSpc>
+                <a:spcPct val="100000"/>
+              </a:lnSpc>
+              <a:spcBef>
+                <a:spcPts val="0"/>
+              </a:spcBef>
+              <a:spcAft>
+                <a:spcPts val="0"/>
+              </a:spcAft>
+            </a:defPPr>
+            <a:lvl1pPr marL="457200" marR="0" lvl="0" indent="-406400" algn="l" rtl="0">
+              <a:lnSpc>
+                <a:spcPct val="100000"/>
+              </a:lnSpc>
+              <a:spcBef>
+                <a:spcPts val="560"/>
+              </a:spcBef>
+              <a:spcAft>
+                <a:spcPts val="0"/>
+              </a:spcAft>
+              <a:buClr>
+                <a:schemeClr val="accent1"/>
+              </a:buClr>
+              <a:buSzPts val="2800"/>
+              <a:buFont typeface="Arial"/>
+              <a:buChar char="•"/>
+              <a:defRPr sz="2800" b="0" i="0" u="none" strike="noStrike" cap="none">
+                <a:solidFill>
+                  <a:schemeClr val="dk2"/>
+                </a:solidFill>
+                <a:latin typeface="Arial"/>
+                <a:ea typeface="Arial"/>
+                <a:cs typeface="Arial"/>
+                <a:sym typeface="Arial"/>
+              </a:defRPr>
+            </a:lvl1pPr>
+            <a:lvl2pPr marL="914400" marR="0" lvl="1" indent="-381000" algn="l" rtl="0">
+              <a:lnSpc>
+                <a:spcPct val="100000"/>
+              </a:lnSpc>
+              <a:spcBef>
+                <a:spcPts val="480"/>
+              </a:spcBef>
+              <a:spcAft>
+                <a:spcPts val="0"/>
+              </a:spcAft>
+              <a:buClr>
+                <a:schemeClr val="accent1"/>
+              </a:buClr>
+              <a:buSzPts val="2400"/>
+              <a:buFont typeface="Arial"/>
+              <a:buChar char="–"/>
+              <a:defRPr sz="2400" b="0" i="0" u="none" strike="noStrike" cap="none">
+                <a:solidFill>
+                  <a:schemeClr val="dk2"/>
+                </a:solidFill>
+                <a:latin typeface="Arial"/>
+                <a:ea typeface="Arial"/>
+                <a:cs typeface="Arial"/>
+                <a:sym typeface="Arial"/>
+              </a:defRPr>
+            </a:lvl2pPr>
+            <a:lvl3pPr marL="1371600" marR="0" lvl="2" indent="-355600" algn="l" rtl="0">
+              <a:lnSpc>
+                <a:spcPct val="100000"/>
+              </a:lnSpc>
+              <a:spcBef>
+                <a:spcPts val="400"/>
+              </a:spcBef>
+              <a:spcAft>
+                <a:spcPts val="0"/>
+              </a:spcAft>
+              <a:buClr>
+                <a:schemeClr val="accent1"/>
+              </a:buClr>
+              <a:buSzPts val="2000"/>
+              <a:buFont typeface="Arial"/>
+              <a:buChar char="•"/>
+              <a:defRPr sz="2000" b="0" i="0" u="none" strike="noStrike" cap="none">
+                <a:solidFill>
+                  <a:schemeClr val="dk2"/>
+                </a:solidFill>
+                <a:latin typeface="Arial"/>
+                <a:ea typeface="Arial"/>
+                <a:cs typeface="Arial"/>
+                <a:sym typeface="Arial"/>
+              </a:defRPr>
+            </a:lvl3pPr>
+            <a:lvl4pPr marL="1828800" marR="0" lvl="3" indent="-342900" algn="l" rtl="0">
+              <a:lnSpc>
+                <a:spcPct val="100000"/>
+              </a:lnSpc>
+              <a:spcBef>
+                <a:spcPts val="360"/>
+              </a:spcBef>
+              <a:spcAft>
+                <a:spcPts val="0"/>
+              </a:spcAft>
+              <a:buClr>
+                <a:schemeClr val="accent1"/>
+              </a:buClr>
+              <a:buSzPts val="1800"/>
+              <a:buFont typeface="Arial"/>
+              <a:buChar char="–"/>
+              <a:defRPr sz="1800" b="0" i="0" u="none" strike="noStrike" cap="none">
+                <a:solidFill>
+                  <a:schemeClr val="dk2"/>
+                </a:solidFill>
+                <a:latin typeface="Arial"/>
+                <a:ea typeface="Arial"/>
+                <a:cs typeface="Arial"/>
+                <a:sym typeface="Arial"/>
+              </a:defRPr>
+            </a:lvl4pPr>
+            <a:lvl5pPr marL="2286000" marR="0" lvl="4" indent="-342900" algn="l" rtl="0">
+              <a:lnSpc>
+                <a:spcPct val="100000"/>
+              </a:lnSpc>
+              <a:spcBef>
+                <a:spcPts val="360"/>
+              </a:spcBef>
+              <a:spcAft>
+                <a:spcPts val="0"/>
+              </a:spcAft>
+              <a:buClr>
+                <a:schemeClr val="accent1"/>
+              </a:buClr>
+              <a:buSzPts val="1800"/>
+              <a:buFont typeface="Arial"/>
+              <a:buChar char="»"/>
+              <a:defRPr sz="1800" b="0" i="0" u="none" strike="noStrike" cap="none">
+                <a:solidFill>
+                  <a:schemeClr val="dk2"/>
+                </a:solidFill>
+                <a:latin typeface="Arial"/>
+                <a:ea typeface="Arial"/>
+                <a:cs typeface="Arial"/>
+                <a:sym typeface="Arial"/>
+              </a:defRPr>
+            </a:lvl5pPr>
+            <a:lvl6pPr marL="2743200" marR="0" lvl="5" indent="-355600" algn="l" rtl="0">
+              <a:lnSpc>
+                <a:spcPct val="100000"/>
+              </a:lnSpc>
+              <a:spcBef>
+                <a:spcPts val="400"/>
+              </a:spcBef>
+              <a:spcAft>
+                <a:spcPts val="0"/>
+              </a:spcAft>
+              <a:buClr>
+                <a:schemeClr val="dk1"/>
+              </a:buClr>
+              <a:buSzPts val="2000"/>
+              <a:buFont typeface="Arial"/>
+              <a:buChar char="•"/>
+              <a:defRPr sz="2000" b="0" i="0" u="none" strike="noStrike" cap="none">
+                <a:solidFill>
+                  <a:schemeClr val="dk1"/>
+                </a:solidFill>
+                <a:latin typeface="Arial"/>
+                <a:ea typeface="Arial"/>
+                <a:cs typeface="Arial"/>
+                <a:sym typeface="Arial"/>
+              </a:defRPr>
+            </a:lvl6pPr>
+            <a:lvl7pPr marL="3200400" marR="0" lvl="6" indent="-355600" algn="l" rtl="0">
+              <a:lnSpc>
+                <a:spcPct val="100000"/>
+              </a:lnSpc>
+              <a:spcBef>
+                <a:spcPts val="400"/>
+              </a:spcBef>
+              <a:spcAft>
+                <a:spcPts val="0"/>
+              </a:spcAft>
+              <a:buClr>
+                <a:schemeClr val="dk1"/>
+              </a:buClr>
+              <a:buSzPts val="2000"/>
+              <a:buFont typeface="Arial"/>
+              <a:buChar char="•"/>
+              <a:defRPr sz="2000" b="0" i="0" u="none" strike="noStrike" cap="none">
+                <a:solidFill>
+                  <a:schemeClr val="dk1"/>
+                </a:solidFill>
+                <a:latin typeface="Arial"/>
+                <a:ea typeface="Arial"/>
+                <a:cs typeface="Arial"/>
+                <a:sym typeface="Arial"/>
+              </a:defRPr>
+            </a:lvl7pPr>
+            <a:lvl8pPr marL="3657600" marR="0" lvl="7" indent="-355600" algn="l" rtl="0">
+              <a:lnSpc>
+                <a:spcPct val="100000"/>
+              </a:lnSpc>
+              <a:spcBef>
+                <a:spcPts val="400"/>
+              </a:spcBef>
+              <a:spcAft>
+                <a:spcPts val="0"/>
+              </a:spcAft>
+              <a:buClr>
+                <a:schemeClr val="dk1"/>
+              </a:buClr>
+              <a:buSzPts val="2000"/>
+              <a:buFont typeface="Arial"/>
+              <a:buChar char="•"/>
+              <a:defRPr sz="2000" b="0" i="0" u="none" strike="noStrike" cap="none">
+                <a:solidFill>
+                  <a:schemeClr val="dk1"/>
+                </a:solidFill>
+                <a:latin typeface="Arial"/>
+                <a:ea typeface="Arial"/>
+                <a:cs typeface="Arial"/>
+                <a:sym typeface="Arial"/>
+              </a:defRPr>
+            </a:lvl8pPr>
+            <a:lvl9pPr marL="4114800" marR="0" lvl="8" indent="-355600" algn="l" rtl="0">
+              <a:lnSpc>
+                <a:spcPct val="100000"/>
+              </a:lnSpc>
+              <a:spcBef>
+                <a:spcPts val="400"/>
+              </a:spcBef>
+              <a:spcAft>
+                <a:spcPts val="0"/>
+              </a:spcAft>
+              <a:buClr>
+                <a:schemeClr val="dk1"/>
+              </a:buClr>
+              <a:buSzPts val="2000"/>
+              <a:buFont typeface="Arial"/>
+              <a:buChar char="•"/>
+              <a:defRPr sz="2000" b="0" i="0" u="none" strike="noStrike" cap="none">
+                <a:solidFill>
+                  <a:schemeClr val="dk1"/>
+                </a:solidFill>
+                <a:latin typeface="Arial"/>
+                <a:ea typeface="Arial"/>
+                <a:cs typeface="Arial"/>
+                <a:sym typeface="Arial"/>
+              </a:defRPr>
+            </a:lvl9pPr>
+          </a:lstStyle>
+          <a:p>
+            <a:r>
+              <a:rPr lang="en-US" u="sng" dirty="0"/>
+              <a:t>Talend</a:t>
+            </a:r>
+          </a:p>
+          <a:p>
+            <a:pPr lvl="1"/>
+            <a:r>
+              <a:rPr lang="en-US" dirty="0"/>
+              <a:t>tMap inconsistencies</a:t>
+            </a:r>
+          </a:p>
+          <a:p>
+            <a:pPr lvl="1"/>
+            <a:r>
+              <a:rPr lang="en-US" dirty="0"/>
+              <a:t>Data cleaning trial and error</a:t>
+            </a:r>
+          </a:p>
+          <a:p>
+            <a:pPr lvl="1"/>
+            <a:r>
+              <a:rPr lang="en-US" dirty="0"/>
+              <a:t>Connection Lines</a:t>
+            </a:r>
+          </a:p>
+          <a:p>
+            <a:pPr lvl="1"/>
+            <a:endParaRPr lang="en-US" dirty="0"/>
+          </a:p>
+          <a:p>
+            <a:pPr lvl="1"/>
+            <a:endParaRPr lang="en-US" dirty="0"/>
+          </a:p>
+          <a:p>
+            <a:pPr lvl="1"/>
+            <a:endParaRPr lang="en-US" dirty="0"/>
+          </a:p>
+          <a:p>
+            <a:pPr lvl="1"/>
+            <a:endParaRPr lang="en-US" dirty="0"/>
+          </a:p>
+          <a:p>
+            <a:pPr lvl="1"/>
+            <a:endParaRPr lang="en-US" dirty="0"/>
+          </a:p>
+          <a:p>
+            <a:pPr lvl="1"/>
+            <a:endParaRPr lang="en-US" dirty="0"/>
+          </a:p>
+          <a:p>
+            <a:pPr lvl="1"/>
+            <a:endParaRPr lang="en-US" dirty="0"/>
+          </a:p>
+        </p:txBody>
+      </p:sp>
+      <p:sp>
+        <p:nvSpPr>
+          <p:cNvPr id="7" name="TextBox 6">
+            <a:extLst>
+              <a:ext uri="{FF2B5EF4-FFF2-40B4-BE49-F238E27FC236}">
+                <a16:creationId xmlns:a16="http://schemas.microsoft.com/office/drawing/2014/main" id="{7CADBB91-5A53-49FF-9EAD-5308C4343E14}"/>
+              </a:ext>
+            </a:extLst>
+          </p:cNvPr>
+          <p:cNvSpPr txBox="1"/>
+          <p:nvPr/>
+        </p:nvSpPr>
+        <p:spPr>
+          <a:xfrm>
+            <a:off x="4622473" y="4099327"/>
+            <a:ext cx="3736257" cy="2039020"/>
+          </a:xfrm>
+          <a:prstGeom prst="rect">
+            <a:avLst/>
+          </a:prstGeom>
+          <a:noFill/>
+        </p:spPr>
+        <p:txBody>
+          <a:bodyPr wrap="square" rtlCol="0">
+            <a:spAutoFit/>
+          </a:bodyPr>
+          <a:lstStyle/>
+          <a:p>
+            <a:pPr marL="457200" marR="0" lvl="0" indent="-406400" algn="l" defTabSz="914400" rtl="0" eaLnBrk="1" fontAlgn="auto" latinLnBrk="0" hangingPunct="1">
+              <a:lnSpc>
+                <a:spcPct val="100000"/>
+              </a:lnSpc>
+              <a:spcBef>
+                <a:spcPts val="560"/>
+              </a:spcBef>
+              <a:spcAft>
+                <a:spcPts val="0"/>
+              </a:spcAft>
+              <a:buClr>
+                <a:srgbClr val="F36A25"/>
+              </a:buClr>
+              <a:buSzPts val="2800"/>
+              <a:buFont typeface="Arial"/>
+              <a:buChar char="•"/>
+              <a:tabLst/>
+              <a:defRPr/>
+            </a:pPr>
+            <a:r>
+              <a:rPr kumimoji="0" lang="en-US" sz="2800" b="0" i="0" u="sng" strike="noStrike" kern="0" cap="none" spc="0" normalizeH="0" baseline="0" noProof="0" dirty="0">
+                <a:ln>
+                  <a:noFill/>
+                </a:ln>
+                <a:solidFill>
+                  <a:srgbClr val="474C55"/>
+                </a:solidFill>
+                <a:effectLst/>
+                <a:uLnTx/>
+                <a:uFillTx/>
+                <a:latin typeface="Arial"/>
+                <a:cs typeface="Arial"/>
+                <a:sym typeface="Arial"/>
+              </a:rPr>
+              <a:t>Version Control</a:t>
+            </a:r>
+          </a:p>
+          <a:p>
+            <a:pPr marL="914400" marR="0" lvl="1" indent="-381000" algn="l" defTabSz="914400" rtl="0" eaLnBrk="1" fontAlgn="auto" latinLnBrk="0" hangingPunct="1">
+              <a:lnSpc>
+                <a:spcPct val="100000"/>
+              </a:lnSpc>
+              <a:spcBef>
+                <a:spcPts val="480"/>
+              </a:spcBef>
+              <a:spcAft>
+                <a:spcPts val="0"/>
+              </a:spcAft>
+              <a:buClr>
+                <a:srgbClr val="F36A25"/>
+              </a:buClr>
+              <a:buSzPts val="2400"/>
+              <a:buFont typeface="Arial"/>
+              <a:buChar char="–"/>
+              <a:tabLst/>
+              <a:defRPr/>
+            </a:pPr>
+            <a:r>
+              <a:rPr kumimoji="0" lang="en-US" sz="2400" b="0" i="0" u="none" strike="noStrike" kern="0" cap="none" spc="0" normalizeH="0" baseline="0" noProof="0" dirty="0">
+                <a:ln>
+                  <a:noFill/>
+                </a:ln>
+                <a:solidFill>
+                  <a:srgbClr val="474C55"/>
+                </a:solidFill>
+                <a:effectLst/>
+                <a:uLnTx/>
+                <a:uFillTx/>
+                <a:latin typeface="Arial"/>
+                <a:cs typeface="Arial"/>
+                <a:sym typeface="Arial"/>
+              </a:rPr>
+              <a:t>Push/Pull Conflicts</a:t>
+            </a:r>
+          </a:p>
+          <a:p>
+            <a:pPr marL="914400" marR="0" lvl="1" indent="-381000" algn="l" defTabSz="914400" rtl="0" eaLnBrk="1" fontAlgn="auto" latinLnBrk="0" hangingPunct="1">
+              <a:lnSpc>
+                <a:spcPct val="100000"/>
+              </a:lnSpc>
+              <a:spcBef>
+                <a:spcPts val="480"/>
+              </a:spcBef>
+              <a:spcAft>
+                <a:spcPts val="0"/>
+              </a:spcAft>
+              <a:buClr>
+                <a:srgbClr val="F36A25"/>
+              </a:buClr>
+              <a:buSzPts val="2400"/>
+              <a:buFont typeface="Arial"/>
+              <a:buChar char="–"/>
+              <a:tabLst/>
+              <a:defRPr/>
+            </a:pPr>
+            <a:r>
+              <a:rPr lang="en-US" sz="2400" dirty="0">
+                <a:solidFill>
+                  <a:srgbClr val="474C55"/>
+                </a:solidFill>
+              </a:rPr>
+              <a:t>Merges</a:t>
+            </a:r>
+          </a:p>
+          <a:p>
+            <a:pPr marL="914400" marR="0" lvl="1" indent="-381000" algn="l" defTabSz="914400" rtl="0" eaLnBrk="1" fontAlgn="auto" latinLnBrk="0" hangingPunct="1">
+              <a:lnSpc>
+                <a:spcPct val="100000"/>
+              </a:lnSpc>
+              <a:spcBef>
+                <a:spcPts val="480"/>
+              </a:spcBef>
+              <a:spcAft>
+                <a:spcPts val="0"/>
+              </a:spcAft>
+              <a:buClr>
+                <a:srgbClr val="F36A25"/>
+              </a:buClr>
+              <a:buSzPts val="2400"/>
+              <a:buFont typeface="Arial"/>
+              <a:buChar char="–"/>
+              <a:tabLst/>
+              <a:defRPr/>
+            </a:pPr>
+            <a:r>
+              <a:rPr kumimoji="0" lang="en-US" sz="2400" b="0" i="0" u="none" strike="noStrike" kern="0" cap="none" spc="0" normalizeH="0" baseline="0" noProof="0" dirty="0">
+                <a:ln>
+                  <a:noFill/>
+                </a:ln>
+                <a:solidFill>
+                  <a:srgbClr val="474C55"/>
+                </a:solidFill>
+                <a:effectLst/>
+                <a:uLnTx/>
+                <a:uFillTx/>
+                <a:latin typeface="Arial"/>
+                <a:cs typeface="Arial"/>
+                <a:sym typeface="Arial"/>
+              </a:rPr>
+              <a:t>Branching</a:t>
+            </a:r>
+          </a:p>
+          <a:p>
+            <a:endParaRPr lang="en-US" dirty="0"/>
           </a:p>
         </p:txBody>
       </p:sp>
@@ -29311,31 +30070,6 @@
       </p:sp>
       <p:sp>
         <p:nvSpPr>
-          <p:cNvPr id="3" name="Text Placeholder 2">
-            <a:extLst>
-              <a:ext uri="{FF2B5EF4-FFF2-40B4-BE49-F238E27FC236}">
-                <a16:creationId xmlns:a16="http://schemas.microsoft.com/office/drawing/2014/main" id="{D64A3509-C188-4412-844B-D87DBAF4A285}"/>
-              </a:ext>
-            </a:extLst>
-          </p:cNvPr>
-          <p:cNvSpPr>
-            <a:spLocks noGrp="1"/>
-          </p:cNvSpPr>
-          <p:nvPr>
-            <p:ph type="body" idx="1"/>
-          </p:nvPr>
-        </p:nvSpPr>
-        <p:spPr/>
-        <p:txBody>
-          <a:bodyPr/>
-          <a:lstStyle/>
-          <a:p>
-            <a:endParaRPr lang="en-US"/>
-          </a:p>
-        </p:txBody>
-      </p:sp>
-      <p:sp>
-        <p:nvSpPr>
           <p:cNvPr id="4" name="Slide Number Placeholder 3">
             <a:extLst>
               <a:ext uri="{FF2B5EF4-FFF2-40B4-BE49-F238E27FC236}">
@@ -29372,6 +30106,529 @@
           </a:p>
         </p:txBody>
       </p:sp>
+      <p:graphicFrame>
+        <p:nvGraphicFramePr>
+          <p:cNvPr id="5" name="Table 5">
+            <a:extLst>
+              <a:ext uri="{FF2B5EF4-FFF2-40B4-BE49-F238E27FC236}">
+                <a16:creationId xmlns:a16="http://schemas.microsoft.com/office/drawing/2014/main" id="{314AB95B-2495-40BD-8E1F-C50CF0452F10}"/>
+              </a:ext>
+            </a:extLst>
+          </p:cNvPr>
+          <p:cNvGraphicFramePr>
+            <a:graphicFrameLocks noGrp="1"/>
+          </p:cNvGraphicFramePr>
+          <p:nvPr>
+            <p:extLst>
+              <p:ext uri="{D42A27DB-BD31-4B8C-83A1-F6EECF244321}">
+                <p14:modId xmlns:p14="http://schemas.microsoft.com/office/powerpoint/2010/main" val="898923787"/>
+              </p:ext>
+            </p:extLst>
+          </p:nvPr>
+        </p:nvGraphicFramePr>
+        <p:xfrm>
+          <a:off x="380010" y="1537477"/>
+          <a:ext cx="8433822" cy="5012934"/>
+        </p:xfrm>
+        <a:graphic>
+          <a:graphicData uri="http://schemas.openxmlformats.org/drawingml/2006/table">
+            <a:tbl>
+              <a:tblPr firstRow="1" bandRow="1">
+                <a:tableStyleId>{5C22544A-7EE6-4342-B048-85BDC9FD1C3A}</a:tableStyleId>
+              </a:tblPr>
+              <a:tblGrid>
+                <a:gridCol w="2811274">
+                  <a:extLst>
+                    <a:ext uri="{9D8B030D-6E8A-4147-A177-3AD203B41FA5}">
+                      <a16:colId xmlns:a16="http://schemas.microsoft.com/office/drawing/2014/main" val="2651506351"/>
+                    </a:ext>
+                  </a:extLst>
+                </a:gridCol>
+                <a:gridCol w="2811274">
+                  <a:extLst>
+                    <a:ext uri="{9D8B030D-6E8A-4147-A177-3AD203B41FA5}">
+                      <a16:colId xmlns:a16="http://schemas.microsoft.com/office/drawing/2014/main" val="128541009"/>
+                    </a:ext>
+                  </a:extLst>
+                </a:gridCol>
+                <a:gridCol w="2811274">
+                  <a:extLst>
+                    <a:ext uri="{9D8B030D-6E8A-4147-A177-3AD203B41FA5}">
+                      <a16:colId xmlns:a16="http://schemas.microsoft.com/office/drawing/2014/main" val="3948716948"/>
+                    </a:ext>
+                  </a:extLst>
+                </a:gridCol>
+              </a:tblGrid>
+              <a:tr h="688141">
+                <a:tc>
+                  <a:txBody>
+                    <a:bodyPr/>
+                    <a:lstStyle/>
+                    <a:p>
+                      <a:pPr algn="ctr">
+                        <a:lnSpc>
+                          <a:spcPct val="200000"/>
+                        </a:lnSpc>
+                      </a:pPr>
+                      <a:r>
+                        <a:rPr lang="en-US" dirty="0"/>
+                        <a:t>User</a:t>
+                      </a:r>
+                    </a:p>
+                  </a:txBody>
+                  <a:tcPr/>
+                </a:tc>
+                <a:tc>
+                  <a:txBody>
+                    <a:bodyPr/>
+                    <a:lstStyle/>
+                    <a:p>
+                      <a:pPr algn="ctr">
+                        <a:lnSpc>
+                          <a:spcPct val="200000"/>
+                        </a:lnSpc>
+                      </a:pPr>
+                      <a:r>
+                        <a:rPr lang="en-US" dirty="0"/>
+                        <a:t>Agent</a:t>
+                      </a:r>
+                    </a:p>
+                  </a:txBody>
+                  <a:tcPr/>
+                </a:tc>
+                <a:tc>
+                  <a:txBody>
+                    <a:bodyPr/>
+                    <a:lstStyle/>
+                    <a:p>
+                      <a:pPr algn="ctr">
+                        <a:lnSpc>
+                          <a:spcPct val="200000"/>
+                        </a:lnSpc>
+                      </a:pPr>
+                      <a:r>
+                        <a:rPr lang="en-US" dirty="0"/>
+                        <a:t>Analyst</a:t>
+                      </a:r>
+                    </a:p>
+                  </a:txBody>
+                  <a:tcPr/>
+                </a:tc>
+                <a:extLst>
+                  <a:ext uri="{0D108BD9-81ED-4DB2-BD59-A6C34878D82A}">
+                    <a16:rowId xmlns:a16="http://schemas.microsoft.com/office/drawing/2014/main" val="547790734"/>
+                  </a:ext>
+                </a:extLst>
+              </a:tr>
+              <a:tr h="697389">
+                <a:tc>
+                  <a:txBody>
+                    <a:bodyPr/>
+                    <a:lstStyle/>
+                    <a:p>
+                      <a:pPr algn="ctr">
+                        <a:lnSpc>
+                          <a:spcPct val="200000"/>
+                        </a:lnSpc>
+                      </a:pPr>
+                      <a:r>
+                        <a:rPr lang="en-US" b="1" dirty="0">
+                          <a:latin typeface="Bahnschrift SemiBold SemiConden" panose="020B0502040204020203" pitchFamily="34" charset="0"/>
+                        </a:rPr>
+                        <a:t>Form Creation</a:t>
+                      </a:r>
+                    </a:p>
+                  </a:txBody>
+                  <a:tcPr/>
+                </a:tc>
+                <a:tc>
+                  <a:txBody>
+                    <a:bodyPr/>
+                    <a:lstStyle/>
+                    <a:p>
+                      <a:pPr algn="ctr">
+                        <a:lnSpc>
+                          <a:spcPct val="200000"/>
+                        </a:lnSpc>
+                      </a:pPr>
+                      <a:r>
+                        <a:rPr lang="en-US" b="1" dirty="0">
+                          <a:latin typeface="Bahnschrift SemiBold SemiConden" panose="020B0502040204020203" pitchFamily="34" charset="0"/>
+                        </a:rPr>
+                        <a:t>Form Creation</a:t>
+                      </a:r>
+                    </a:p>
+                  </a:txBody>
+                  <a:tcPr/>
+                </a:tc>
+                <a:tc>
+                  <a:txBody>
+                    <a:bodyPr/>
+                    <a:lstStyle/>
+                    <a:p>
+                      <a:pPr algn="ctr">
+                        <a:lnSpc>
+                          <a:spcPct val="200000"/>
+                        </a:lnSpc>
+                      </a:pPr>
+                      <a:r>
+                        <a:rPr lang="en-US" b="1" dirty="0">
+                          <a:latin typeface="Bahnschrift SemiBold SemiConden" panose="020B0502040204020203" pitchFamily="34" charset="0"/>
+                        </a:rPr>
+                        <a:t>Data Gathering</a:t>
+                      </a:r>
+                    </a:p>
+                  </a:txBody>
+                  <a:tcPr/>
+                </a:tc>
+                <a:extLst>
+                  <a:ext uri="{0D108BD9-81ED-4DB2-BD59-A6C34878D82A}">
+                    <a16:rowId xmlns:a16="http://schemas.microsoft.com/office/drawing/2014/main" val="896683803"/>
+                  </a:ext>
+                </a:extLst>
+              </a:tr>
+              <a:tr h="688141">
+                <a:tc>
+                  <a:txBody>
+                    <a:bodyPr/>
+                    <a:lstStyle/>
+                    <a:p>
+                      <a:pPr algn="ctr">
+                        <a:lnSpc>
+                          <a:spcPct val="200000"/>
+                        </a:lnSpc>
+                      </a:pPr>
+                      <a:r>
+                        <a:rPr lang="en-US" b="1" dirty="0">
+                          <a:latin typeface="Bahnschrift SemiBold SemiConden" panose="020B0502040204020203" pitchFamily="34" charset="0"/>
+                        </a:rPr>
+                        <a:t>Read Only Permissions</a:t>
+                      </a:r>
+                    </a:p>
+                  </a:txBody>
+                  <a:tcPr/>
+                </a:tc>
+                <a:tc>
+                  <a:txBody>
+                    <a:bodyPr/>
+                    <a:lstStyle/>
+                    <a:p>
+                      <a:pPr algn="ctr">
+                        <a:lnSpc>
+                          <a:spcPct val="200000"/>
+                        </a:lnSpc>
+                      </a:pPr>
+                      <a:r>
+                        <a:rPr lang="en-US" b="1" dirty="0">
+                          <a:latin typeface="Bahnschrift SemiBold SemiConden" panose="020B0502040204020203" pitchFamily="34" charset="0"/>
+                        </a:rPr>
+                        <a:t>Read Only Permissions</a:t>
+                      </a:r>
+                    </a:p>
+                  </a:txBody>
+                  <a:tcPr/>
+                </a:tc>
+                <a:tc>
+                  <a:txBody>
+                    <a:bodyPr/>
+                    <a:lstStyle/>
+                    <a:p>
+                      <a:pPr algn="ctr">
+                        <a:lnSpc>
+                          <a:spcPct val="200000"/>
+                        </a:lnSpc>
+                      </a:pPr>
+                      <a:r>
+                        <a:rPr lang="en-US" b="1" dirty="0">
+                          <a:latin typeface="Bahnschrift SemiBold SemiConden" panose="020B0502040204020203" pitchFamily="34" charset="0"/>
+                        </a:rPr>
+                        <a:t>ETL Tools</a:t>
+                      </a:r>
+                    </a:p>
+                  </a:txBody>
+                  <a:tcPr/>
+                </a:tc>
+                <a:extLst>
+                  <a:ext uri="{0D108BD9-81ED-4DB2-BD59-A6C34878D82A}">
+                    <a16:rowId xmlns:a16="http://schemas.microsoft.com/office/drawing/2014/main" val="2434558614"/>
+                  </a:ext>
+                </a:extLst>
+              </a:tr>
+              <a:tr h="688141">
+                <a:tc>
+                  <a:txBody>
+                    <a:bodyPr/>
+                    <a:lstStyle/>
+                    <a:p>
+                      <a:pPr algn="ctr">
+                        <a:lnSpc>
+                          <a:spcPct val="200000"/>
+                        </a:lnSpc>
+                      </a:pPr>
+                      <a:endParaRPr lang="en-US" b="1">
+                        <a:latin typeface="Bahnschrift SemiBold SemiConden" panose="020B0502040204020203" pitchFamily="34" charset="0"/>
+                      </a:endParaRPr>
+                    </a:p>
+                  </a:txBody>
+                  <a:tcPr/>
+                </a:tc>
+                <a:tc>
+                  <a:txBody>
+                    <a:bodyPr/>
+                    <a:lstStyle/>
+                    <a:p>
+                      <a:pPr marL="0" marR="0" lvl="0" indent="0" algn="ctr" defTabSz="914400" rtl="0" eaLnBrk="1" fontAlgn="auto" latinLnBrk="0" hangingPunct="1">
+                        <a:lnSpc>
+                          <a:spcPct val="200000"/>
+                        </a:lnSpc>
+                        <a:spcBef>
+                          <a:spcPts val="0"/>
+                        </a:spcBef>
+                        <a:spcAft>
+                          <a:spcPts val="0"/>
+                        </a:spcAft>
+                        <a:buClr>
+                          <a:srgbClr val="000000"/>
+                        </a:buClr>
+                        <a:buSzTx/>
+                        <a:buFont typeface="Arial"/>
+                        <a:buNone/>
+                        <a:tabLst/>
+                        <a:defRPr/>
+                      </a:pPr>
+                      <a:r>
+                        <a:rPr lang="en-US" b="1" dirty="0">
+                          <a:latin typeface="Bahnschrift SemiBold SemiConden" panose="020B0502040204020203" pitchFamily="34" charset="0"/>
+                        </a:rPr>
+                        <a:t>Form Submission</a:t>
+                      </a:r>
+                    </a:p>
+                    <a:p>
+                      <a:pPr algn="ctr">
+                        <a:lnSpc>
+                          <a:spcPct val="200000"/>
+                        </a:lnSpc>
+                      </a:pPr>
+                      <a:endParaRPr lang="en-US" b="1" dirty="0">
+                        <a:latin typeface="Bahnschrift SemiBold SemiConden" panose="020B0502040204020203" pitchFamily="34" charset="0"/>
+                      </a:endParaRPr>
+                    </a:p>
+                  </a:txBody>
+                  <a:tcPr/>
+                </a:tc>
+                <a:tc>
+                  <a:txBody>
+                    <a:bodyPr/>
+                    <a:lstStyle/>
+                    <a:p>
+                      <a:pPr algn="ctr">
+                        <a:lnSpc>
+                          <a:spcPct val="200000"/>
+                        </a:lnSpc>
+                      </a:pPr>
+                      <a:r>
+                        <a:rPr lang="en-US" b="1" dirty="0">
+                          <a:latin typeface="Bahnschrift SemiBold SemiConden" panose="020B0502040204020203" pitchFamily="34" charset="0"/>
+                        </a:rPr>
+                        <a:t>Graphical Visualization</a:t>
+                      </a:r>
+                    </a:p>
+                  </a:txBody>
+                  <a:tcPr/>
+                </a:tc>
+                <a:extLst>
+                  <a:ext uri="{0D108BD9-81ED-4DB2-BD59-A6C34878D82A}">
+                    <a16:rowId xmlns:a16="http://schemas.microsoft.com/office/drawing/2014/main" val="2283704344"/>
+                  </a:ext>
+                </a:extLst>
+              </a:tr>
+              <a:tr h="688141">
+                <a:tc>
+                  <a:txBody>
+                    <a:bodyPr/>
+                    <a:lstStyle/>
+                    <a:p>
+                      <a:pPr algn="ctr">
+                        <a:lnSpc>
+                          <a:spcPct val="200000"/>
+                        </a:lnSpc>
+                      </a:pPr>
+                      <a:endParaRPr lang="en-US" b="1">
+                        <a:latin typeface="Bahnschrift SemiBold SemiConden" panose="020B0502040204020203" pitchFamily="34" charset="0"/>
+                      </a:endParaRPr>
+                    </a:p>
+                  </a:txBody>
+                  <a:tcPr/>
+                </a:tc>
+                <a:tc>
+                  <a:txBody>
+                    <a:bodyPr/>
+                    <a:lstStyle/>
+                    <a:p>
+                      <a:pPr algn="ctr">
+                        <a:lnSpc>
+                          <a:spcPct val="200000"/>
+                        </a:lnSpc>
+                      </a:pPr>
+                      <a:endParaRPr lang="en-US" b="1" dirty="0">
+                        <a:latin typeface="Bahnschrift SemiBold SemiConden" panose="020B0502040204020203" pitchFamily="34" charset="0"/>
+                      </a:endParaRPr>
+                    </a:p>
+                  </a:txBody>
+                  <a:tcPr/>
+                </a:tc>
+                <a:tc>
+                  <a:txBody>
+                    <a:bodyPr/>
+                    <a:lstStyle/>
+                    <a:p>
+                      <a:pPr algn="ctr">
+                        <a:lnSpc>
+                          <a:spcPct val="200000"/>
+                        </a:lnSpc>
+                      </a:pPr>
+                      <a:r>
+                        <a:rPr lang="en-US" b="1" dirty="0">
+                          <a:latin typeface="Bahnschrift SemiBold SemiConden" panose="020B0502040204020203" pitchFamily="34" charset="0"/>
+                        </a:rPr>
+                        <a:t>Parameter Control</a:t>
+                      </a:r>
+                    </a:p>
+                  </a:txBody>
+                  <a:tcPr/>
+                </a:tc>
+                <a:extLst>
+                  <a:ext uri="{0D108BD9-81ED-4DB2-BD59-A6C34878D82A}">
+                    <a16:rowId xmlns:a16="http://schemas.microsoft.com/office/drawing/2014/main" val="2367943128"/>
+                  </a:ext>
+                </a:extLst>
+              </a:tr>
+              <a:tr h="688141">
+                <a:tc>
+                  <a:txBody>
+                    <a:bodyPr/>
+                    <a:lstStyle/>
+                    <a:p>
+                      <a:pPr algn="ctr">
+                        <a:lnSpc>
+                          <a:spcPct val="200000"/>
+                        </a:lnSpc>
+                      </a:pPr>
+                      <a:endParaRPr lang="en-US" b="1">
+                        <a:latin typeface="Bahnschrift SemiBold SemiConden" panose="020B0502040204020203" pitchFamily="34" charset="0"/>
+                      </a:endParaRPr>
+                    </a:p>
+                  </a:txBody>
+                  <a:tcPr/>
+                </a:tc>
+                <a:tc>
+                  <a:txBody>
+                    <a:bodyPr/>
+                    <a:lstStyle/>
+                    <a:p>
+                      <a:pPr algn="ctr">
+                        <a:lnSpc>
+                          <a:spcPct val="200000"/>
+                        </a:lnSpc>
+                      </a:pPr>
+                      <a:endParaRPr lang="en-US" b="1">
+                        <a:latin typeface="Bahnschrift SemiBold SemiConden" panose="020B0502040204020203" pitchFamily="34" charset="0"/>
+                      </a:endParaRPr>
+                    </a:p>
+                  </a:txBody>
+                  <a:tcPr/>
+                </a:tc>
+                <a:tc>
+                  <a:txBody>
+                    <a:bodyPr/>
+                    <a:lstStyle/>
+                    <a:p>
+                      <a:pPr algn="ctr">
+                        <a:lnSpc>
+                          <a:spcPct val="200000"/>
+                        </a:lnSpc>
+                      </a:pPr>
+                      <a:r>
+                        <a:rPr lang="en-US" b="1" dirty="0">
+                          <a:latin typeface="Bahnschrift SemiBold SemiConden" panose="020B0502040204020203" pitchFamily="34" charset="0"/>
+                        </a:rPr>
+                        <a:t>Transaction Management</a:t>
+                      </a:r>
+                    </a:p>
+                  </a:txBody>
+                  <a:tcPr/>
+                </a:tc>
+                <a:extLst>
+                  <a:ext uri="{0D108BD9-81ED-4DB2-BD59-A6C34878D82A}">
+                    <a16:rowId xmlns:a16="http://schemas.microsoft.com/office/drawing/2014/main" val="1222393221"/>
+                  </a:ext>
+                </a:extLst>
+              </a:tr>
+              <a:tr h="688141">
+                <a:tc>
+                  <a:txBody>
+                    <a:bodyPr/>
+                    <a:lstStyle/>
+                    <a:p>
+                      <a:pPr algn="ctr">
+                        <a:lnSpc>
+                          <a:spcPct val="200000"/>
+                        </a:lnSpc>
+                      </a:pPr>
+                      <a:endParaRPr lang="en-US" b="1">
+                        <a:latin typeface="Bahnschrift SemiBold SemiConden" panose="020B0502040204020203" pitchFamily="34" charset="0"/>
+                      </a:endParaRPr>
+                    </a:p>
+                  </a:txBody>
+                  <a:tcPr/>
+                </a:tc>
+                <a:tc>
+                  <a:txBody>
+                    <a:bodyPr/>
+                    <a:lstStyle/>
+                    <a:p>
+                      <a:pPr algn="ctr">
+                        <a:lnSpc>
+                          <a:spcPct val="200000"/>
+                        </a:lnSpc>
+                      </a:pPr>
+                      <a:endParaRPr lang="en-US" b="1" dirty="0">
+                        <a:latin typeface="Bahnschrift SemiBold SemiConden" panose="020B0502040204020203" pitchFamily="34" charset="0"/>
+                      </a:endParaRPr>
+                    </a:p>
+                  </a:txBody>
+                  <a:tcPr/>
+                </a:tc>
+                <a:tc>
+                  <a:txBody>
+                    <a:bodyPr/>
+                    <a:lstStyle/>
+                    <a:p>
+                      <a:pPr algn="ctr">
+                        <a:lnSpc>
+                          <a:spcPct val="200000"/>
+                        </a:lnSpc>
+                      </a:pPr>
+                      <a:r>
+                        <a:rPr lang="en-US" b="1" dirty="0">
+                          <a:latin typeface="Bahnschrift SemiBold SemiConden" panose="020B0502040204020203" pitchFamily="34" charset="0"/>
+                        </a:rPr>
+                        <a:t>RDS Management </a:t>
+                      </a:r>
+                    </a:p>
+                  </a:txBody>
+                  <a:tcPr/>
+                </a:tc>
+                <a:extLst>
+                  <a:ext uri="{0D108BD9-81ED-4DB2-BD59-A6C34878D82A}">
+                    <a16:rowId xmlns:a16="http://schemas.microsoft.com/office/drawing/2014/main" val="2244363353"/>
+                  </a:ext>
+                </a:extLst>
+              </a:tr>
+            </a:tbl>
+          </a:graphicData>
+        </a:graphic>
+      </p:graphicFrame>
     </p:spTree>
     <p:extLst>
       <p:ext uri="{BB962C8B-B14F-4D97-AF65-F5344CB8AC3E}">
@@ -29579,6 +30836,43 @@
           </a:prstGeom>
         </p:spPr>
       </p:pic>
+      <p:sp>
+        <p:nvSpPr>
+          <p:cNvPr id="5" name="TextBox 4">
+            <a:extLst>
+              <a:ext uri="{FF2B5EF4-FFF2-40B4-BE49-F238E27FC236}">
+                <a16:creationId xmlns:a16="http://schemas.microsoft.com/office/drawing/2014/main" id="{970A58EF-23D0-4071-BAC6-241FA25C16F4}"/>
+              </a:ext>
+            </a:extLst>
+          </p:cNvPr>
+          <p:cNvSpPr txBox="1"/>
+          <p:nvPr/>
+        </p:nvSpPr>
+        <p:spPr>
+          <a:xfrm>
+            <a:off x="5390203" y="6209823"/>
+            <a:ext cx="2774009" cy="307777"/>
+          </a:xfrm>
+          <a:prstGeom prst="rect">
+            <a:avLst/>
+          </a:prstGeom>
+          <a:noFill/>
+        </p:spPr>
+        <p:txBody>
+          <a:bodyPr wrap="square" rtlCol="0">
+            <a:spAutoFit/>
+          </a:bodyPr>
+          <a:lstStyle/>
+          <a:p>
+            <a:r>
+              <a:rPr lang="en-US" dirty="0">
+                <a:latin typeface="Bahnschrift Light" panose="020B0502040204020203" pitchFamily="34" charset="0"/>
+              </a:rPr>
+              <a:t>Image 7.1 - Agile Framework</a:t>
+            </a:r>
+          </a:p>
+        </p:txBody>
+      </p:sp>
     </p:spTree>
     <p:extLst>
       <p:ext uri="{BB962C8B-B14F-4D97-AF65-F5344CB8AC3E}">
@@ -29859,7 +31153,7 @@
         <p:spPr>
           <a:xfrm>
             <a:off x="252449" y="5047668"/>
-            <a:ext cx="3356514" cy="954107"/>
+            <a:ext cx="3356514" cy="1169551"/>
           </a:xfrm>
           <a:prstGeom prst="rect">
             <a:avLst/>
@@ -29874,7 +31168,7 @@
           <a:p>
             <a:r>
               <a:rPr lang="en-US" dirty="0"/>
-              <a:t>Table 8.2 (right) are unique schemas inside our DBeaver constructed to answer specific questions and gather specific business intelligence data.</a:t>
+              <a:t>Table 8.2 (right) are unique schemas inside our DBeaver constructed to answer specific questions and gather specific business intelligence data in Snowflake schema form.</a:t>
             </a:r>
           </a:p>
         </p:txBody>

--- a/BraincellsP2_Presentation.pptx
+++ b/BraincellsP2_Presentation.pptx
@@ -27902,18 +27902,12 @@
             </a:r>
           </a:p>
           <a:p>
-            <a:pPr lvl="1">
+            <a:pPr marL="533400" lvl="1" indent="0">
               <a:lnSpc>
                 <a:spcPct val="200000"/>
               </a:lnSpc>
+              <a:buNone/>
             </a:pPr>
-            <a:r>
-              <a:rPr lang="en-US" dirty="0"/>
-              <a:t>Some manual transforms done outside of ETL. </a:t>
-            </a:r>
-            <a:br>
-              <a:rPr lang="en-US" dirty="0"/>
-            </a:br>
             <a:endParaRPr lang="en-US" dirty="0"/>
           </a:p>
         </p:txBody>
@@ -28040,6 +28034,13 @@
           <a:bodyPr numCol="1"/>
           <a:lstStyle/>
           <a:p>
+            <a:pPr marL="50800" indent="0">
+              <a:buNone/>
+            </a:pPr>
+            <a:r>
+              <a:rPr lang="en-US" dirty="0"/>
+              <a:t>	</a:t>
+            </a:r>
             <a:r>
               <a:rPr lang="en-US" u="sng" dirty="0"/>
               <a:t>Front End </a:t>
@@ -28134,7 +28135,7 @@
           </a:bodyPr>
           <a:lstStyle/>
           <a:p>
-            <a:pPr marL="457200" marR="0" lvl="0" indent="-406400" algn="l" defTabSz="914400" rtl="0" eaLnBrk="1" fontAlgn="auto" latinLnBrk="0" hangingPunct="1">
+            <a:pPr marL="50800" marR="0" lvl="0" algn="l" defTabSz="914400" rtl="0" eaLnBrk="1" fontAlgn="auto" latinLnBrk="0" hangingPunct="1">
               <a:lnSpc>
                 <a:spcPct val="100000"/>
               </a:lnSpc>
@@ -28148,11 +28149,17 @@
                 <a:srgbClr val="F36A25"/>
               </a:buClr>
               <a:buSzPts val="2800"/>
-              <a:buFont typeface="Arial"/>
-              <a:buChar char="•"/>
               <a:tabLst/>
               <a:defRPr/>
             </a:pPr>
+            <a:r>
+              <a:rPr lang="en-US" sz="2800" dirty="0">
+                <a:solidFill>
+                  <a:srgbClr val="474C55"/>
+                </a:solidFill>
+              </a:rPr>
+              <a:t>	</a:t>
+            </a:r>
             <a:r>
               <a:rPr kumimoji="0" lang="en-US" sz="2800" b="0" i="0" u="sng" strike="noStrike" kern="0" cap="none" spc="0" normalizeH="0" baseline="0" noProof="0" dirty="0">
                 <a:ln>
@@ -28168,7 +28175,7 @@
                 <a:cs typeface="Arial"/>
                 <a:sym typeface="Arial"/>
               </a:rPr>
-              <a:t> Back End </a:t>
+              <a:t>Back End </a:t>
             </a:r>
           </a:p>
           <a:p>
@@ -28560,6 +28567,13 @@
             </a:lvl9pPr>
           </a:lstStyle>
           <a:p>
+            <a:pPr marL="50800" indent="0">
+              <a:buNone/>
+            </a:pPr>
+            <a:r>
+              <a:rPr lang="en-US" dirty="0"/>
+              <a:t>	</a:t>
+            </a:r>
             <a:r>
               <a:rPr lang="en-US" u="sng" dirty="0"/>
               <a:t>Talend</a:t>
@@ -28644,7 +28658,7 @@
           </a:bodyPr>
           <a:lstStyle/>
           <a:p>
-            <a:pPr marL="457200" marR="0" lvl="0" indent="-406400" algn="l" defTabSz="914400" rtl="0" eaLnBrk="1" fontAlgn="auto" latinLnBrk="0" hangingPunct="1">
+            <a:pPr marL="50800" marR="0" lvl="0" algn="l" defTabSz="914400" rtl="0" eaLnBrk="1" fontAlgn="auto" latinLnBrk="0" hangingPunct="1">
               <a:lnSpc>
                 <a:spcPct val="100000"/>
               </a:lnSpc>
@@ -28658,11 +28672,17 @@
                 <a:srgbClr val="F36A25"/>
               </a:buClr>
               <a:buSzPts val="2800"/>
-              <a:buFont typeface="Arial"/>
-              <a:buChar char="•"/>
               <a:tabLst/>
               <a:defRPr/>
             </a:pPr>
+            <a:r>
+              <a:rPr lang="en-US" sz="2800" dirty="0">
+                <a:solidFill>
+                  <a:srgbClr val="474C55"/>
+                </a:solidFill>
+              </a:rPr>
+              <a:t>	</a:t>
+            </a:r>
             <a:r>
               <a:rPr kumimoji="0" lang="en-US" sz="2800" b="0" i="0" u="sng" strike="noStrike" kern="0" cap="none" spc="0" normalizeH="0" baseline="0" noProof="0" dirty="0">
                 <a:ln>
@@ -28867,7 +28887,7 @@
         </p:nvSpPr>
         <p:spPr>
           <a:xfrm>
-            <a:off x="2502724" y="3277589"/>
+            <a:off x="3004170" y="3228428"/>
             <a:ext cx="8383980" cy="4525963"/>
           </a:xfrm>
         </p:spPr>
@@ -28875,6 +28895,9 @@
           <a:bodyPr/>
           <a:lstStyle/>
           <a:p>
+            <a:pPr marL="50800" indent="0">
+              <a:buNone/>
+            </a:pPr>
             <a:r>
               <a:rPr lang="en-US" dirty="0"/>
               <a:t>Any Questions?</a:t>
@@ -29663,7 +29686,7 @@
         </p:nvSpPr>
         <p:spPr/>
         <p:txBody>
-          <a:bodyPr/>
+          <a:bodyPr numCol="1"/>
           <a:lstStyle/>
           <a:p>
             <a:r>
@@ -30121,7 +30144,7 @@
           <p:nvPr>
             <p:extLst>
               <p:ext uri="{D42A27DB-BD31-4B8C-83A1-F6EECF244321}">
-                <p14:modId xmlns:p14="http://schemas.microsoft.com/office/powerpoint/2010/main" val="898923787"/>
+                <p14:modId xmlns:p14="http://schemas.microsoft.com/office/powerpoint/2010/main" val="4046510591"/>
               </p:ext>
             </p:extLst>
           </p:nvPr>
@@ -30171,8 +30194,8 @@
                         </a:lnSpc>
                       </a:pPr>
                       <a:r>
-                        <a:rPr lang="en-US" dirty="0"/>
-                        <a:t>User</a:t>
+                        <a:rPr lang="en-US" u="sng" dirty="0"/>
+                        <a:t>Customer</a:t>
                       </a:r>
                     </a:p>
                   </a:txBody>
@@ -30189,7 +30212,7 @@
                         </a:lnSpc>
                       </a:pPr>
                       <a:r>
-                        <a:rPr lang="en-US" dirty="0"/>
+                        <a:rPr lang="en-US" u="sng" dirty="0"/>
                         <a:t>Agent</a:t>
                       </a:r>
                     </a:p>
@@ -30207,7 +30230,7 @@
                         </a:lnSpc>
                       </a:pPr>
                       <a:r>
-                        <a:rPr lang="en-US" dirty="0"/>
+                        <a:rPr lang="en-US" u="sng" dirty="0"/>
                         <a:t>Analyst</a:t>
                       </a:r>
                     </a:p>
